--- a/doc/documentation (RIA).pptx
+++ b/doc/documentation (RIA).pptx
@@ -14,6 +14,15 @@
     <p:sldId id="265" r:id="rId8"/>
     <p:sldId id="261" r:id="rId9"/>
     <p:sldId id="262" r:id="rId10"/>
+    <p:sldId id="266" r:id="rId11"/>
+    <p:sldId id="267" r:id="rId12"/>
+    <p:sldId id="268" r:id="rId13"/>
+    <p:sldId id="269" r:id="rId14"/>
+    <p:sldId id="270" r:id="rId15"/>
+    <p:sldId id="271" r:id="rId16"/>
+    <p:sldId id="272" r:id="rId17"/>
+    <p:sldId id="273" r:id="rId18"/>
+    <p:sldId id="274" r:id="rId19"/>
   </p:sldIdLst>
   <p:sldSz cx="12192000" cy="6858000"/>
   <p:notesSz cx="6858000" cy="9144000"/>
@@ -269,7 +278,7 @@
           <a:p>
             <a:fld id="{041AB95B-B053-4E3B-84BF-9C3BE63D770B}" type="datetimeFigureOut">
               <a:rPr lang="en-US" smtClean="0"/>
-              <a:t>7/13/2021</a:t>
+              <a:t>7/18/2021</a:t>
             </a:fld>
             <a:endParaRPr lang="en-US"/>
           </a:p>
@@ -469,7 +478,7 @@
           <a:p>
             <a:fld id="{041AB95B-B053-4E3B-84BF-9C3BE63D770B}" type="datetimeFigureOut">
               <a:rPr lang="en-US" smtClean="0"/>
-              <a:t>7/13/2021</a:t>
+              <a:t>7/18/2021</a:t>
             </a:fld>
             <a:endParaRPr lang="en-US"/>
           </a:p>
@@ -679,7 +688,7 @@
           <a:p>
             <a:fld id="{041AB95B-B053-4E3B-84BF-9C3BE63D770B}" type="datetimeFigureOut">
               <a:rPr lang="en-US" smtClean="0"/>
-              <a:t>7/13/2021</a:t>
+              <a:t>7/18/2021</a:t>
             </a:fld>
             <a:endParaRPr lang="en-US"/>
           </a:p>
@@ -879,7 +888,7 @@
           <a:p>
             <a:fld id="{041AB95B-B053-4E3B-84BF-9C3BE63D770B}" type="datetimeFigureOut">
               <a:rPr lang="en-US" smtClean="0"/>
-              <a:t>7/13/2021</a:t>
+              <a:t>7/18/2021</a:t>
             </a:fld>
             <a:endParaRPr lang="en-US"/>
           </a:p>
@@ -1155,7 +1164,7 @@
           <a:p>
             <a:fld id="{041AB95B-B053-4E3B-84BF-9C3BE63D770B}" type="datetimeFigureOut">
               <a:rPr lang="en-US" smtClean="0"/>
-              <a:t>7/13/2021</a:t>
+              <a:t>7/18/2021</a:t>
             </a:fld>
             <a:endParaRPr lang="en-US"/>
           </a:p>
@@ -1423,7 +1432,7 @@
           <a:p>
             <a:fld id="{041AB95B-B053-4E3B-84BF-9C3BE63D770B}" type="datetimeFigureOut">
               <a:rPr lang="en-US" smtClean="0"/>
-              <a:t>7/13/2021</a:t>
+              <a:t>7/18/2021</a:t>
             </a:fld>
             <a:endParaRPr lang="en-US"/>
           </a:p>
@@ -1838,7 +1847,7 @@
           <a:p>
             <a:fld id="{041AB95B-B053-4E3B-84BF-9C3BE63D770B}" type="datetimeFigureOut">
               <a:rPr lang="en-US" smtClean="0"/>
-              <a:t>7/13/2021</a:t>
+              <a:t>7/18/2021</a:t>
             </a:fld>
             <a:endParaRPr lang="en-US"/>
           </a:p>
@@ -1980,7 +1989,7 @@
           <a:p>
             <a:fld id="{041AB95B-B053-4E3B-84BF-9C3BE63D770B}" type="datetimeFigureOut">
               <a:rPr lang="en-US" smtClean="0"/>
-              <a:t>7/13/2021</a:t>
+              <a:t>7/18/2021</a:t>
             </a:fld>
             <a:endParaRPr lang="en-US"/>
           </a:p>
@@ -2093,7 +2102,7 @@
           <a:p>
             <a:fld id="{041AB95B-B053-4E3B-84BF-9C3BE63D770B}" type="datetimeFigureOut">
               <a:rPr lang="en-US" smtClean="0"/>
-              <a:t>7/13/2021</a:t>
+              <a:t>7/18/2021</a:t>
             </a:fld>
             <a:endParaRPr lang="en-US"/>
           </a:p>
@@ -2406,7 +2415,7 @@
           <a:p>
             <a:fld id="{041AB95B-B053-4E3B-84BF-9C3BE63D770B}" type="datetimeFigureOut">
               <a:rPr lang="en-US" smtClean="0"/>
-              <a:t>7/13/2021</a:t>
+              <a:t>7/18/2021</a:t>
             </a:fld>
             <a:endParaRPr lang="en-US"/>
           </a:p>
@@ -2695,7 +2704,7 @@
           <a:p>
             <a:fld id="{041AB95B-B053-4E3B-84BF-9C3BE63D770B}" type="datetimeFigureOut">
               <a:rPr lang="en-US" smtClean="0"/>
-              <a:t>7/13/2021</a:t>
+              <a:t>7/18/2021</a:t>
             </a:fld>
             <a:endParaRPr lang="en-US"/>
           </a:p>
@@ -2938,7 +2947,7 @@
           <a:p>
             <a:fld id="{041AB95B-B053-4E3B-84BF-9C3BE63D770B}" type="datetimeFigureOut">
               <a:rPr lang="en-US" smtClean="0"/>
-              <a:t>7/13/2021</a:t>
+              <a:t>7/18/2021</a:t>
             </a:fld>
             <a:endParaRPr lang="en-US"/>
           </a:p>
@@ -3432,6 +3441,4398 @@
 </p:sld>
 </file>
 
+<file path=ppt/slides/slide10.xml><?xml version="1.0" encoding="utf-8"?>
+<p:sld xmlns:a="http://schemas.openxmlformats.org/drawingml/2006/main" xmlns:r="http://schemas.openxmlformats.org/officeDocument/2006/relationships" xmlns:p="http://schemas.openxmlformats.org/presentationml/2006/main">
+  <p:cSld>
+    <p:spTree>
+      <p:nvGrpSpPr>
+        <p:cNvPr id="1" name=""/>
+        <p:cNvGrpSpPr/>
+        <p:nvPr/>
+      </p:nvGrpSpPr>
+      <p:grpSpPr>
+        <a:xfrm>
+          <a:off x="0" y="0"/>
+          <a:ext cx="0" cy="0"/>
+          <a:chOff x="0" y="0"/>
+          <a:chExt cx="0" cy="0"/>
+        </a:xfrm>
+      </p:grpSpPr>
+      <p:sp>
+        <p:nvSpPr>
+          <p:cNvPr id="2" name="Titolo 1">
+            <a:extLst>
+              <a:ext uri="{FF2B5EF4-FFF2-40B4-BE49-F238E27FC236}">
+                <a16:creationId xmlns:a16="http://schemas.microsoft.com/office/drawing/2014/main" id="{6368EEDF-FD34-4F12-8155-15BE7E5D93AB}"/>
+              </a:ext>
+            </a:extLst>
+          </p:cNvPr>
+          <p:cNvSpPr>
+            <a:spLocks noGrp="1"/>
+          </p:cNvSpPr>
+          <p:nvPr>
+            <p:ph type="title"/>
+          </p:nvPr>
+        </p:nvSpPr>
+        <p:spPr>
+          <a:xfrm>
+            <a:off x="838200" y="365125"/>
+            <a:ext cx="10515600" cy="597401"/>
+          </a:xfrm>
+        </p:spPr>
+        <p:txBody>
+          <a:bodyPr>
+            <a:normAutofit fontScale="90000"/>
+          </a:bodyPr>
+          <a:lstStyle/>
+          <a:p>
+            <a:r>
+              <a:rPr lang="en-US" dirty="0" err="1"/>
+              <a:t>Eventi</a:t>
+            </a:r>
+            <a:r>
+              <a:rPr lang="en-US" dirty="0"/>
+              <a:t> e </a:t>
+            </a:r>
+            <a:r>
+              <a:rPr lang="en-US" dirty="0" err="1"/>
+              <a:t>Azioni</a:t>
+            </a:r>
+            <a:r>
+              <a:rPr lang="en-US" dirty="0"/>
+              <a:t> associate (1/2)</a:t>
+            </a:r>
+          </a:p>
+        </p:txBody>
+      </p:sp>
+      <p:graphicFrame>
+        <p:nvGraphicFramePr>
+          <p:cNvPr id="4" name="Tabella 4">
+            <a:extLst>
+              <a:ext uri="{FF2B5EF4-FFF2-40B4-BE49-F238E27FC236}">
+                <a16:creationId xmlns:a16="http://schemas.microsoft.com/office/drawing/2014/main" id="{B2811983-F591-4730-A521-7DC4173D58A6}"/>
+              </a:ext>
+            </a:extLst>
+          </p:cNvPr>
+          <p:cNvGraphicFramePr>
+            <a:graphicFrameLocks noGrp="1"/>
+          </p:cNvGraphicFramePr>
+          <p:nvPr>
+            <p:ph idx="1"/>
+            <p:extLst>
+              <p:ext uri="{D42A27DB-BD31-4B8C-83A1-F6EECF244321}">
+                <p14:modId xmlns:p14="http://schemas.microsoft.com/office/powerpoint/2010/main" val="4149964598"/>
+              </p:ext>
+            </p:extLst>
+          </p:nvPr>
+        </p:nvGraphicFramePr>
+        <p:xfrm>
+          <a:off x="673100" y="1070725"/>
+          <a:ext cx="11176000" cy="5435937"/>
+        </p:xfrm>
+        <a:graphic>
+          <a:graphicData uri="http://schemas.openxmlformats.org/drawingml/2006/table">
+            <a:tbl>
+              <a:tblPr firstRow="1" bandRow="1">
+                <a:tableStyleId>{5C22544A-7EE6-4342-B048-85BDC9FD1C3A}</a:tableStyleId>
+              </a:tblPr>
+              <a:tblGrid>
+                <a:gridCol w="2794000">
+                  <a:extLst>
+                    <a:ext uri="{9D8B030D-6E8A-4147-A177-3AD203B41FA5}">
+                      <a16:colId xmlns:a16="http://schemas.microsoft.com/office/drawing/2014/main" val="2681578775"/>
+                    </a:ext>
+                  </a:extLst>
+                </a:gridCol>
+                <a:gridCol w="2794000">
+                  <a:extLst>
+                    <a:ext uri="{9D8B030D-6E8A-4147-A177-3AD203B41FA5}">
+                      <a16:colId xmlns:a16="http://schemas.microsoft.com/office/drawing/2014/main" val="112399087"/>
+                    </a:ext>
+                  </a:extLst>
+                </a:gridCol>
+                <a:gridCol w="2794000">
+                  <a:extLst>
+                    <a:ext uri="{9D8B030D-6E8A-4147-A177-3AD203B41FA5}">
+                      <a16:colId xmlns:a16="http://schemas.microsoft.com/office/drawing/2014/main" val="2102075983"/>
+                    </a:ext>
+                  </a:extLst>
+                </a:gridCol>
+                <a:gridCol w="2794000">
+                  <a:extLst>
+                    <a:ext uri="{9D8B030D-6E8A-4147-A177-3AD203B41FA5}">
+                      <a16:colId xmlns:a16="http://schemas.microsoft.com/office/drawing/2014/main" val="2722917998"/>
+                    </a:ext>
+                  </a:extLst>
+                </a:gridCol>
+              </a:tblGrid>
+              <a:tr h="450767">
+                <a:tc gridSpan="2">
+                  <a:txBody>
+                    <a:bodyPr/>
+                    <a:lstStyle/>
+                    <a:p>
+                      <a:pPr algn="ctr"/>
+                      <a:r>
+                        <a:rPr lang="en-US" dirty="0"/>
+                        <a:t>Client</a:t>
+                      </a:r>
+                    </a:p>
+                  </a:txBody>
+                  <a:tcPr/>
+                </a:tc>
+                <a:tc hMerge="1">
+                  <a:txBody>
+                    <a:bodyPr/>
+                    <a:lstStyle/>
+                    <a:p>
+                      <a:endParaRPr lang="en-US" dirty="0"/>
+                    </a:p>
+                  </a:txBody>
+                  <a:tcPr/>
+                </a:tc>
+                <a:tc gridSpan="2">
+                  <a:txBody>
+                    <a:bodyPr/>
+                    <a:lstStyle/>
+                    <a:p>
+                      <a:pPr algn="ctr"/>
+                      <a:r>
+                        <a:rPr lang="en-US" dirty="0"/>
+                        <a:t>Server</a:t>
+                      </a:r>
+                    </a:p>
+                  </a:txBody>
+                  <a:tcPr/>
+                </a:tc>
+                <a:tc hMerge="1">
+                  <a:txBody>
+                    <a:bodyPr/>
+                    <a:lstStyle/>
+                    <a:p>
+                      <a:endParaRPr lang="en-US" dirty="0"/>
+                    </a:p>
+                  </a:txBody>
+                  <a:tcPr/>
+                </a:tc>
+                <a:extLst>
+                  <a:ext uri="{0D108BD9-81ED-4DB2-BD59-A6C34878D82A}">
+                    <a16:rowId xmlns:a16="http://schemas.microsoft.com/office/drawing/2014/main" val="2947949975"/>
+                  </a:ext>
+                </a:extLst>
+              </a:tr>
+              <a:tr h="450767">
+                <a:tc>
+                  <a:txBody>
+                    <a:bodyPr/>
+                    <a:lstStyle/>
+                    <a:p>
+                      <a:pPr algn="ctr"/>
+                      <a:r>
+                        <a:rPr lang="en-US" b="1" dirty="0" err="1"/>
+                        <a:t>Evento</a:t>
+                      </a:r>
+                      <a:endParaRPr lang="en-US" b="1" dirty="0"/>
+                    </a:p>
+                  </a:txBody>
+                  <a:tcPr/>
+                </a:tc>
+                <a:tc>
+                  <a:txBody>
+                    <a:bodyPr/>
+                    <a:lstStyle/>
+                    <a:p>
+                      <a:pPr algn="ctr"/>
+                      <a:r>
+                        <a:rPr lang="en-US" b="1" dirty="0"/>
+                        <a:t>Azione</a:t>
+                      </a:r>
+                    </a:p>
+                  </a:txBody>
+                  <a:tcPr/>
+                </a:tc>
+                <a:tc>
+                  <a:txBody>
+                    <a:bodyPr/>
+                    <a:lstStyle/>
+                    <a:p>
+                      <a:pPr algn="ctr"/>
+                      <a:r>
+                        <a:rPr lang="en-US" b="1" dirty="0" err="1"/>
+                        <a:t>Evento</a:t>
+                      </a:r>
+                      <a:endParaRPr lang="en-US" b="1" dirty="0"/>
+                    </a:p>
+                  </a:txBody>
+                  <a:tcPr/>
+                </a:tc>
+                <a:tc>
+                  <a:txBody>
+                    <a:bodyPr/>
+                    <a:lstStyle/>
+                    <a:p>
+                      <a:pPr algn="ctr"/>
+                      <a:r>
+                        <a:rPr lang="en-US" b="1" dirty="0"/>
+                        <a:t>Azione</a:t>
+                      </a:r>
+                    </a:p>
+                  </a:txBody>
+                  <a:tcPr/>
+                </a:tc>
+                <a:extLst>
+                  <a:ext uri="{0D108BD9-81ED-4DB2-BD59-A6C34878D82A}">
+                    <a16:rowId xmlns:a16="http://schemas.microsoft.com/office/drawing/2014/main" val="951657748"/>
+                  </a:ext>
+                </a:extLst>
+              </a:tr>
+              <a:tr h="450767">
+                <a:tc>
+                  <a:txBody>
+                    <a:bodyPr/>
+                    <a:lstStyle/>
+                    <a:p>
+                      <a:pPr marL="0" marR="0" lvl="0" indent="0" algn="l" defTabSz="914400" rtl="0" eaLnBrk="1" fontAlgn="auto" latinLnBrk="0" hangingPunct="1">
+                        <a:lnSpc>
+                          <a:spcPct val="100000"/>
+                        </a:lnSpc>
+                        <a:spcBef>
+                          <a:spcPts val="0"/>
+                        </a:spcBef>
+                        <a:spcAft>
+                          <a:spcPts val="0"/>
+                        </a:spcAft>
+                        <a:buClrTx/>
+                        <a:buSzTx/>
+                        <a:buFontTx/>
+                        <a:buNone/>
+                        <a:tabLst/>
+                        <a:defRPr/>
+                      </a:pPr>
+                      <a:r>
+                        <a:rPr lang="en-US" sz="1400" dirty="0"/>
+                        <a:t>Index.html -&gt; start RIA version</a:t>
+                      </a:r>
+                    </a:p>
+                  </a:txBody>
+                  <a:tcPr/>
+                </a:tc>
+                <a:tc>
+                  <a:txBody>
+                    <a:bodyPr/>
+                    <a:lstStyle/>
+                    <a:p>
+                      <a:r>
+                        <a:rPr lang="en-US" sz="1400" dirty="0"/>
+                        <a:t>Cambio </a:t>
+                      </a:r>
+                      <a:r>
+                        <a:rPr lang="en-US" sz="1400" dirty="0" err="1"/>
+                        <a:t>pagina</a:t>
+                      </a:r>
+                      <a:r>
+                        <a:rPr lang="en-US" sz="1400" dirty="0"/>
+                        <a:t>: login</a:t>
+                      </a:r>
+                    </a:p>
+                  </a:txBody>
+                  <a:tcPr/>
+                </a:tc>
+                <a:tc>
+                  <a:txBody>
+                    <a:bodyPr/>
+                    <a:lstStyle/>
+                    <a:p>
+                      <a:r>
+                        <a:rPr lang="en-US" sz="1400" dirty="0"/>
+                        <a:t>-</a:t>
+                      </a:r>
+                    </a:p>
+                  </a:txBody>
+                  <a:tcPr/>
+                </a:tc>
+                <a:tc>
+                  <a:txBody>
+                    <a:bodyPr/>
+                    <a:lstStyle/>
+                    <a:p>
+                      <a:r>
+                        <a:rPr lang="en-US" sz="1400" dirty="0"/>
+                        <a:t>-</a:t>
+                      </a:r>
+                    </a:p>
+                  </a:txBody>
+                  <a:tcPr/>
+                </a:tc>
+                <a:extLst>
+                  <a:ext uri="{0D108BD9-81ED-4DB2-BD59-A6C34878D82A}">
+                    <a16:rowId xmlns:a16="http://schemas.microsoft.com/office/drawing/2014/main" val="4282396465"/>
+                  </a:ext>
+                </a:extLst>
+              </a:tr>
+              <a:tr h="450767">
+                <a:tc>
+                  <a:txBody>
+                    <a:bodyPr/>
+                    <a:lstStyle/>
+                    <a:p>
+                      <a:pPr marL="0" marR="0" lvl="0" indent="0" algn="l" defTabSz="914400" rtl="0" eaLnBrk="1" fontAlgn="auto" latinLnBrk="0" hangingPunct="1">
+                        <a:lnSpc>
+                          <a:spcPct val="100000"/>
+                        </a:lnSpc>
+                        <a:spcBef>
+                          <a:spcPts val="0"/>
+                        </a:spcBef>
+                        <a:spcAft>
+                          <a:spcPts val="0"/>
+                        </a:spcAft>
+                        <a:buClrTx/>
+                        <a:buSzTx/>
+                        <a:buFontTx/>
+                        <a:buNone/>
+                        <a:tabLst/>
+                        <a:defRPr/>
+                      </a:pPr>
+                      <a:r>
+                        <a:rPr lang="en-US" sz="1400" dirty="0"/>
+                        <a:t>login.html -&gt; login (form) -&gt; login</a:t>
+                      </a:r>
+                    </a:p>
+                  </a:txBody>
+                  <a:tcPr/>
+                </a:tc>
+                <a:tc>
+                  <a:txBody>
+                    <a:bodyPr/>
+                    <a:lstStyle/>
+                    <a:p>
+                      <a:r>
+                        <a:rPr lang="en-US" sz="1400" dirty="0" err="1"/>
+                        <a:t>Controllo</a:t>
+                      </a:r>
+                      <a:r>
+                        <a:rPr lang="en-US" sz="1400" dirty="0"/>
+                        <a:t> </a:t>
+                      </a:r>
+                      <a:r>
+                        <a:rPr lang="en-US" sz="1400" dirty="0" err="1"/>
+                        <a:t>dati</a:t>
+                      </a:r>
+                      <a:endParaRPr lang="en-US" sz="1400" dirty="0"/>
+                    </a:p>
+                  </a:txBody>
+                  <a:tcPr/>
+                </a:tc>
+                <a:tc>
+                  <a:txBody>
+                    <a:bodyPr/>
+                    <a:lstStyle/>
+                    <a:p>
+                      <a:r>
+                        <a:rPr lang="en-US" sz="1400" dirty="0"/>
+                        <a:t>POST</a:t>
+                      </a:r>
+                    </a:p>
+                  </a:txBody>
+                  <a:tcPr/>
+                </a:tc>
+                <a:tc>
+                  <a:txBody>
+                    <a:bodyPr/>
+                    <a:lstStyle/>
+                    <a:p>
+                      <a:r>
+                        <a:rPr lang="en-US" sz="1400" dirty="0" err="1"/>
+                        <a:t>Controllo</a:t>
+                      </a:r>
+                      <a:r>
+                        <a:rPr lang="en-US" sz="1400" dirty="0"/>
+                        <a:t> username, password</a:t>
+                      </a:r>
+                    </a:p>
+                  </a:txBody>
+                  <a:tcPr/>
+                </a:tc>
+                <a:extLst>
+                  <a:ext uri="{0D108BD9-81ED-4DB2-BD59-A6C34878D82A}">
+                    <a16:rowId xmlns:a16="http://schemas.microsoft.com/office/drawing/2014/main" val="309085157"/>
+                  </a:ext>
+                </a:extLst>
+              </a:tr>
+              <a:tr h="523909">
+                <a:tc>
+                  <a:txBody>
+                    <a:bodyPr/>
+                    <a:lstStyle/>
+                    <a:p>
+                      <a:pPr marL="0" marR="0" lvl="0" indent="0" algn="l" defTabSz="914400" rtl="0" eaLnBrk="1" fontAlgn="auto" latinLnBrk="0" hangingPunct="1">
+                        <a:lnSpc>
+                          <a:spcPct val="100000"/>
+                        </a:lnSpc>
+                        <a:spcBef>
+                          <a:spcPts val="0"/>
+                        </a:spcBef>
+                        <a:spcAft>
+                          <a:spcPts val="0"/>
+                        </a:spcAft>
+                        <a:buClrTx/>
+                        <a:buSzTx/>
+                        <a:buFontTx/>
+                        <a:buNone/>
+                        <a:tabLst/>
+                        <a:defRPr/>
+                      </a:pPr>
+                      <a:r>
+                        <a:rPr lang="en-US" sz="1400" dirty="0"/>
+                        <a:t>home.html -&gt; logout</a:t>
+                      </a:r>
+                    </a:p>
+                  </a:txBody>
+                  <a:tcPr/>
+                </a:tc>
+                <a:tc>
+                  <a:txBody>
+                    <a:bodyPr/>
+                    <a:lstStyle/>
+                    <a:p>
+                      <a:r>
+                        <a:rPr lang="en-US" sz="1400" dirty="0"/>
+                        <a:t>-</a:t>
+                      </a:r>
+                    </a:p>
+                  </a:txBody>
+                  <a:tcPr/>
+                </a:tc>
+                <a:tc>
+                  <a:txBody>
+                    <a:bodyPr/>
+                    <a:lstStyle/>
+                    <a:p>
+                      <a:r>
+                        <a:rPr lang="en-US" sz="1400" dirty="0"/>
+                        <a:t>GET</a:t>
+                      </a:r>
+                    </a:p>
+                  </a:txBody>
+                  <a:tcPr/>
+                </a:tc>
+                <a:tc>
+                  <a:txBody>
+                    <a:bodyPr/>
+                    <a:lstStyle/>
+                    <a:p>
+                      <a:r>
+                        <a:rPr lang="en-US" sz="1400" dirty="0" err="1"/>
+                        <a:t>Cancella</a:t>
+                      </a:r>
+                      <a:r>
+                        <a:rPr lang="en-US" sz="1400" dirty="0"/>
+                        <a:t> </a:t>
+                      </a:r>
+                      <a:r>
+                        <a:rPr lang="en-US" sz="1400" dirty="0" err="1"/>
+                        <a:t>sessione</a:t>
+                      </a:r>
+                      <a:r>
+                        <a:rPr lang="en-US" sz="1400" dirty="0"/>
+                        <a:t>, </a:t>
+                      </a:r>
+                    </a:p>
+                    <a:p>
+                      <a:r>
+                        <a:rPr lang="en-US" sz="1400" dirty="0" err="1"/>
+                        <a:t>Restituisce</a:t>
+                      </a:r>
+                      <a:r>
+                        <a:rPr lang="en-US" sz="1400" dirty="0"/>
+                        <a:t> index.html</a:t>
+                      </a:r>
+                    </a:p>
+                  </a:txBody>
+                  <a:tcPr/>
+                </a:tc>
+                <a:extLst>
+                  <a:ext uri="{0D108BD9-81ED-4DB2-BD59-A6C34878D82A}">
+                    <a16:rowId xmlns:a16="http://schemas.microsoft.com/office/drawing/2014/main" val="841938688"/>
+                  </a:ext>
+                </a:extLst>
+              </a:tr>
+              <a:tr h="450767">
+                <a:tc>
+                  <a:txBody>
+                    <a:bodyPr/>
+                    <a:lstStyle/>
+                    <a:p>
+                      <a:pPr marL="0" marR="0" lvl="0" indent="0" algn="l" defTabSz="914400" rtl="0" eaLnBrk="1" fontAlgn="auto" latinLnBrk="0" hangingPunct="1">
+                        <a:lnSpc>
+                          <a:spcPct val="100000"/>
+                        </a:lnSpc>
+                        <a:spcBef>
+                          <a:spcPts val="0"/>
+                        </a:spcBef>
+                        <a:spcAft>
+                          <a:spcPts val="0"/>
+                        </a:spcAft>
+                        <a:buClrTx/>
+                        <a:buSzTx/>
+                        <a:buFontTx/>
+                        <a:buNone/>
+                        <a:tabLst/>
+                        <a:defRPr/>
+                      </a:pPr>
+                      <a:r>
+                        <a:rPr lang="en-US" sz="1400" dirty="0"/>
+                        <a:t>home.html -&gt; Your playlists -&gt; playlist</a:t>
+                      </a:r>
+                    </a:p>
+                  </a:txBody>
+                  <a:tcPr/>
+                </a:tc>
+                <a:tc>
+                  <a:txBody>
+                    <a:bodyPr/>
+                    <a:lstStyle/>
+                    <a:p>
+                      <a:r>
+                        <a:rPr lang="en-US" sz="1400" dirty="0" err="1"/>
+                        <a:t>Visualizza</a:t>
+                      </a:r>
+                      <a:r>
+                        <a:rPr lang="en-US" sz="1400" dirty="0"/>
+                        <a:t> e </a:t>
+                      </a:r>
+                      <a:r>
+                        <a:rPr lang="en-US" sz="1400" dirty="0" err="1"/>
+                        <a:t>aggiorna</a:t>
+                      </a:r>
+                      <a:r>
+                        <a:rPr lang="en-US" sz="1400" dirty="0"/>
+                        <a:t> Current Playlist e Songs</a:t>
+                      </a:r>
+                    </a:p>
+                  </a:txBody>
+                  <a:tcPr/>
+                </a:tc>
+                <a:tc>
+                  <a:txBody>
+                    <a:bodyPr/>
+                    <a:lstStyle/>
+                    <a:p>
+                      <a:r>
+                        <a:rPr lang="en-US" sz="1400" dirty="0"/>
+                        <a:t>GET</a:t>
+                      </a:r>
+                    </a:p>
+                  </a:txBody>
+                  <a:tcPr/>
+                </a:tc>
+                <a:tc>
+                  <a:txBody>
+                    <a:bodyPr/>
+                    <a:lstStyle/>
+                    <a:p>
+                      <a:r>
+                        <a:rPr lang="en-US" sz="1400" dirty="0" err="1"/>
+                        <a:t>Controllo</a:t>
+                      </a:r>
+                      <a:r>
+                        <a:rPr lang="en-US" sz="1400" dirty="0"/>
+                        <a:t> </a:t>
+                      </a:r>
+                      <a:r>
+                        <a:rPr lang="en-US" sz="1400" dirty="0" err="1"/>
+                        <a:t>dati</a:t>
+                      </a:r>
+                      <a:endParaRPr lang="en-US" sz="1400" dirty="0"/>
+                    </a:p>
+                    <a:p>
+                      <a:r>
+                        <a:rPr lang="en-US" sz="1400" dirty="0" err="1"/>
+                        <a:t>Estrazione</a:t>
+                      </a:r>
+                      <a:r>
+                        <a:rPr lang="en-US" sz="1400" dirty="0"/>
+                        <a:t> </a:t>
+                      </a:r>
+                      <a:r>
+                        <a:rPr lang="en-US" sz="1400" dirty="0" err="1"/>
+                        <a:t>dati</a:t>
+                      </a:r>
+                      <a:r>
+                        <a:rPr lang="en-US" sz="1400" dirty="0"/>
+                        <a:t> playlist</a:t>
+                      </a:r>
+                    </a:p>
+                  </a:txBody>
+                  <a:tcPr/>
+                </a:tc>
+                <a:extLst>
+                  <a:ext uri="{0D108BD9-81ED-4DB2-BD59-A6C34878D82A}">
+                    <a16:rowId xmlns:a16="http://schemas.microsoft.com/office/drawing/2014/main" val="633869350"/>
+                  </a:ext>
+                </a:extLst>
+              </a:tr>
+              <a:tr h="450767">
+                <a:tc>
+                  <a:txBody>
+                    <a:bodyPr/>
+                    <a:lstStyle/>
+                    <a:p>
+                      <a:pPr marL="0" marR="0" lvl="0" indent="0" algn="l" defTabSz="914400" rtl="0" eaLnBrk="1" fontAlgn="auto" latinLnBrk="0" hangingPunct="1">
+                        <a:lnSpc>
+                          <a:spcPct val="100000"/>
+                        </a:lnSpc>
+                        <a:spcBef>
+                          <a:spcPts val="0"/>
+                        </a:spcBef>
+                        <a:spcAft>
+                          <a:spcPts val="0"/>
+                        </a:spcAft>
+                        <a:buClrTx/>
+                        <a:buSzTx/>
+                        <a:buFontTx/>
+                        <a:buNone/>
+                        <a:tabLst/>
+                        <a:defRPr/>
+                      </a:pPr>
+                      <a:r>
+                        <a:rPr lang="en-US" sz="1400" dirty="0"/>
+                        <a:t>home.html -&gt; Current Playlist -&gt; song</a:t>
+                      </a:r>
+                    </a:p>
+                  </a:txBody>
+                  <a:tcPr/>
+                </a:tc>
+                <a:tc>
+                  <a:txBody>
+                    <a:bodyPr/>
+                    <a:lstStyle/>
+                    <a:p>
+                      <a:r>
+                        <a:rPr lang="en-US" sz="1400" dirty="0" err="1"/>
+                        <a:t>Visualizza</a:t>
+                      </a:r>
+                      <a:r>
+                        <a:rPr lang="en-US" sz="1400" dirty="0"/>
+                        <a:t> e </a:t>
+                      </a:r>
+                      <a:r>
+                        <a:rPr lang="en-US" sz="1400" dirty="0" err="1"/>
+                        <a:t>aggiorna</a:t>
+                      </a:r>
+                      <a:r>
+                        <a:rPr lang="en-US" sz="1400" dirty="0"/>
+                        <a:t> Song Player</a:t>
+                      </a:r>
+                    </a:p>
+                  </a:txBody>
+                  <a:tcPr/>
+                </a:tc>
+                <a:tc>
+                  <a:txBody>
+                    <a:bodyPr/>
+                    <a:lstStyle/>
+                    <a:p>
+                      <a:r>
+                        <a:rPr lang="en-US" sz="1400" dirty="0"/>
+                        <a:t>GET</a:t>
+                      </a:r>
+                    </a:p>
+                  </a:txBody>
+                  <a:tcPr/>
+                </a:tc>
+                <a:tc>
+                  <a:txBody>
+                    <a:bodyPr/>
+                    <a:lstStyle/>
+                    <a:p>
+                      <a:r>
+                        <a:rPr lang="en-US" sz="1400" dirty="0" err="1"/>
+                        <a:t>Controllo</a:t>
+                      </a:r>
+                      <a:r>
+                        <a:rPr lang="en-US" sz="1400" dirty="0"/>
+                        <a:t> </a:t>
+                      </a:r>
+                      <a:r>
+                        <a:rPr lang="en-US" sz="1400" dirty="0" err="1"/>
+                        <a:t>dati</a:t>
+                      </a:r>
+                      <a:r>
+                        <a:rPr lang="en-US" sz="1400" dirty="0"/>
+                        <a:t>,</a:t>
+                      </a:r>
+                    </a:p>
+                    <a:p>
+                      <a:r>
+                        <a:rPr lang="en-US" sz="1400" dirty="0" err="1"/>
+                        <a:t>Estrazione</a:t>
+                      </a:r>
+                      <a:r>
+                        <a:rPr lang="en-US" sz="1400" dirty="0"/>
+                        <a:t> </a:t>
+                      </a:r>
+                      <a:r>
+                        <a:rPr lang="en-US" sz="1400" dirty="0" err="1"/>
+                        <a:t>dati</a:t>
+                      </a:r>
+                      <a:r>
+                        <a:rPr lang="en-US" sz="1400" dirty="0"/>
+                        <a:t> song</a:t>
+                      </a:r>
+                    </a:p>
+                  </a:txBody>
+                  <a:tcPr/>
+                </a:tc>
+                <a:extLst>
+                  <a:ext uri="{0D108BD9-81ED-4DB2-BD59-A6C34878D82A}">
+                    <a16:rowId xmlns:a16="http://schemas.microsoft.com/office/drawing/2014/main" val="317644754"/>
+                  </a:ext>
+                </a:extLst>
+              </a:tr>
+              <a:tr h="450767">
+                <a:tc>
+                  <a:txBody>
+                    <a:bodyPr/>
+                    <a:lstStyle/>
+                    <a:p>
+                      <a:pPr marL="0" marR="0" lvl="0" indent="0" algn="l" defTabSz="914400" rtl="0" eaLnBrk="1" fontAlgn="auto" latinLnBrk="0" hangingPunct="1">
+                        <a:lnSpc>
+                          <a:spcPct val="100000"/>
+                        </a:lnSpc>
+                        <a:spcBef>
+                          <a:spcPts val="0"/>
+                        </a:spcBef>
+                        <a:spcAft>
+                          <a:spcPts val="0"/>
+                        </a:spcAft>
+                        <a:buClrTx/>
+                        <a:buSzTx/>
+                        <a:buFontTx/>
+                        <a:buNone/>
+                        <a:tabLst/>
+                        <a:defRPr/>
+                      </a:pPr>
+                      <a:r>
+                        <a:rPr lang="en-US" sz="1400" dirty="0"/>
+                        <a:t>home.html -&gt; Current Playlist -&gt; Next/Previous</a:t>
+                      </a:r>
+                    </a:p>
+                  </a:txBody>
+                  <a:tcPr/>
+                </a:tc>
+                <a:tc>
+                  <a:txBody>
+                    <a:bodyPr/>
+                    <a:lstStyle/>
+                    <a:p>
+                      <a:r>
+                        <a:rPr lang="en-US" sz="1400" dirty="0" err="1"/>
+                        <a:t>Visualizza</a:t>
+                      </a:r>
+                      <a:r>
+                        <a:rPr lang="en-US" sz="1400" dirty="0"/>
+                        <a:t> </a:t>
+                      </a:r>
+                      <a:r>
+                        <a:rPr lang="en-US" sz="1400" dirty="0" err="1"/>
+                        <a:t>prossimo</a:t>
+                      </a:r>
+                      <a:r>
+                        <a:rPr lang="en-US" sz="1400" dirty="0"/>
+                        <a:t>/</a:t>
+                      </a:r>
+                      <a:r>
+                        <a:rPr lang="en-US" sz="1400" dirty="0" err="1"/>
+                        <a:t>precedente</a:t>
+                      </a:r>
+                      <a:r>
+                        <a:rPr lang="en-US" sz="1400" dirty="0"/>
+                        <a:t> </a:t>
+                      </a:r>
+                      <a:r>
+                        <a:rPr lang="en-US" sz="1400" dirty="0" err="1"/>
+                        <a:t>gruppo</a:t>
+                      </a:r>
+                      <a:r>
+                        <a:rPr lang="en-US" sz="1400" dirty="0"/>
+                        <a:t> di 5 canzoni</a:t>
+                      </a:r>
+                    </a:p>
+                  </a:txBody>
+                  <a:tcPr/>
+                </a:tc>
+                <a:tc>
+                  <a:txBody>
+                    <a:bodyPr/>
+                    <a:lstStyle/>
+                    <a:p>
+                      <a:r>
+                        <a:rPr lang="en-US" sz="1400" dirty="0"/>
+                        <a:t>-</a:t>
+                      </a:r>
+                    </a:p>
+                  </a:txBody>
+                  <a:tcPr/>
+                </a:tc>
+                <a:tc>
+                  <a:txBody>
+                    <a:bodyPr/>
+                    <a:lstStyle/>
+                    <a:p>
+                      <a:r>
+                        <a:rPr lang="en-US" sz="1400" dirty="0"/>
+                        <a:t>-</a:t>
+                      </a:r>
+                    </a:p>
+                  </a:txBody>
+                  <a:tcPr/>
+                </a:tc>
+                <a:extLst>
+                  <a:ext uri="{0D108BD9-81ED-4DB2-BD59-A6C34878D82A}">
+                    <a16:rowId xmlns:a16="http://schemas.microsoft.com/office/drawing/2014/main" val="332613330"/>
+                  </a:ext>
+                </a:extLst>
+              </a:tr>
+              <a:tr h="450767">
+                <a:tc>
+                  <a:txBody>
+                    <a:bodyPr/>
+                    <a:lstStyle/>
+                    <a:p>
+                      <a:pPr marL="0" marR="0" lvl="0" indent="0" algn="l" defTabSz="914400" rtl="0" eaLnBrk="1" fontAlgn="auto" latinLnBrk="0" hangingPunct="1">
+                        <a:lnSpc>
+                          <a:spcPct val="100000"/>
+                        </a:lnSpc>
+                        <a:spcBef>
+                          <a:spcPts val="0"/>
+                        </a:spcBef>
+                        <a:spcAft>
+                          <a:spcPts val="0"/>
+                        </a:spcAft>
+                        <a:buClrTx/>
+                        <a:buSzTx/>
+                        <a:buFontTx/>
+                        <a:buNone/>
+                        <a:tabLst/>
+                        <a:defRPr/>
+                      </a:pPr>
+                      <a:r>
+                        <a:rPr lang="en-US" sz="1400" dirty="0"/>
+                        <a:t>home.html -&gt; Current Playlist -&gt; Sort Songs</a:t>
+                      </a:r>
+                    </a:p>
+                  </a:txBody>
+                  <a:tcPr/>
+                </a:tc>
+                <a:tc>
+                  <a:txBody>
+                    <a:bodyPr/>
+                    <a:lstStyle/>
+                    <a:p>
+                      <a:r>
+                        <a:rPr lang="en-US" sz="1400" dirty="0" err="1"/>
+                        <a:t>Visualizza</a:t>
+                      </a:r>
+                      <a:r>
+                        <a:rPr lang="en-US" sz="1400" dirty="0"/>
+                        <a:t> e </a:t>
+                      </a:r>
+                      <a:r>
+                        <a:rPr lang="en-US" sz="1400" dirty="0" err="1"/>
+                        <a:t>aggiorna</a:t>
+                      </a:r>
+                      <a:r>
+                        <a:rPr lang="en-US" sz="1400" dirty="0"/>
+                        <a:t> Sort Playlist</a:t>
+                      </a:r>
+                    </a:p>
+                  </a:txBody>
+                  <a:tcPr/>
+                </a:tc>
+                <a:tc>
+                  <a:txBody>
+                    <a:bodyPr/>
+                    <a:lstStyle/>
+                    <a:p>
+                      <a:r>
+                        <a:rPr lang="en-US" sz="1400" dirty="0"/>
+                        <a:t>-</a:t>
+                      </a:r>
+                    </a:p>
+                  </a:txBody>
+                  <a:tcPr/>
+                </a:tc>
+                <a:tc>
+                  <a:txBody>
+                    <a:bodyPr/>
+                    <a:lstStyle/>
+                    <a:p>
+                      <a:r>
+                        <a:rPr lang="en-US" sz="1400" dirty="0"/>
+                        <a:t>-</a:t>
+                      </a:r>
+                    </a:p>
+                  </a:txBody>
+                  <a:tcPr/>
+                </a:tc>
+                <a:extLst>
+                  <a:ext uri="{0D108BD9-81ED-4DB2-BD59-A6C34878D82A}">
+                    <a16:rowId xmlns:a16="http://schemas.microsoft.com/office/drawing/2014/main" val="1390086034"/>
+                  </a:ext>
+                </a:extLst>
+              </a:tr>
+              <a:tr h="450767">
+                <a:tc>
+                  <a:txBody>
+                    <a:bodyPr/>
+                    <a:lstStyle/>
+                    <a:p>
+                      <a:pPr marL="0" marR="0" lvl="0" indent="0" algn="l" defTabSz="914400" rtl="0" eaLnBrk="1" fontAlgn="auto" latinLnBrk="0" hangingPunct="1">
+                        <a:lnSpc>
+                          <a:spcPct val="100000"/>
+                        </a:lnSpc>
+                        <a:spcBef>
+                          <a:spcPts val="0"/>
+                        </a:spcBef>
+                        <a:spcAft>
+                          <a:spcPts val="0"/>
+                        </a:spcAft>
+                        <a:buClrTx/>
+                        <a:buSzTx/>
+                        <a:buFontTx/>
+                        <a:buNone/>
+                        <a:tabLst/>
+                        <a:defRPr/>
+                      </a:pPr>
+                      <a:r>
+                        <a:rPr lang="en-US" sz="1400" dirty="0"/>
+                        <a:t>home.html -&gt; Create New Playlist (form)  -&gt; Create Playlist </a:t>
+                      </a:r>
+                    </a:p>
+                  </a:txBody>
+                  <a:tcPr/>
+                </a:tc>
+                <a:tc>
+                  <a:txBody>
+                    <a:bodyPr/>
+                    <a:lstStyle/>
+                    <a:p>
+                      <a:r>
+                        <a:rPr lang="en-US" sz="1400" dirty="0" err="1"/>
+                        <a:t>Aggiorna</a:t>
+                      </a:r>
+                      <a:r>
+                        <a:rPr lang="en-US" sz="1400" dirty="0"/>
+                        <a:t> Your Playlists</a:t>
+                      </a:r>
+                    </a:p>
+                  </a:txBody>
+                  <a:tcPr/>
+                </a:tc>
+                <a:tc>
+                  <a:txBody>
+                    <a:bodyPr/>
+                    <a:lstStyle/>
+                    <a:p>
+                      <a:r>
+                        <a:rPr lang="en-US" sz="1400" dirty="0"/>
+                        <a:t>POST</a:t>
+                      </a:r>
+                    </a:p>
+                  </a:txBody>
+                  <a:tcPr/>
+                </a:tc>
+                <a:tc>
+                  <a:txBody>
+                    <a:bodyPr/>
+                    <a:lstStyle/>
+                    <a:p>
+                      <a:r>
+                        <a:rPr lang="en-US" sz="1400" dirty="0" err="1"/>
+                        <a:t>Controllo</a:t>
+                      </a:r>
+                      <a:r>
+                        <a:rPr lang="en-US" sz="1400" dirty="0"/>
+                        <a:t> </a:t>
+                      </a:r>
+                      <a:r>
+                        <a:rPr lang="en-US" sz="1400" dirty="0" err="1"/>
+                        <a:t>dati</a:t>
+                      </a:r>
+                      <a:r>
+                        <a:rPr lang="en-US" sz="1400" dirty="0"/>
+                        <a:t>,</a:t>
+                      </a:r>
+                    </a:p>
+                    <a:p>
+                      <a:r>
+                        <a:rPr lang="en-US" sz="1400" dirty="0" err="1"/>
+                        <a:t>Inserisci</a:t>
+                      </a:r>
+                      <a:r>
+                        <a:rPr lang="en-US" sz="1400" dirty="0"/>
+                        <a:t> </a:t>
+                      </a:r>
+                      <a:r>
+                        <a:rPr lang="en-US" sz="1400" dirty="0" err="1"/>
+                        <a:t>nuova</a:t>
+                      </a:r>
+                      <a:r>
+                        <a:rPr lang="en-US" sz="1400" dirty="0"/>
+                        <a:t> playlist </a:t>
+                      </a:r>
+                      <a:r>
+                        <a:rPr lang="en-US" sz="1400" dirty="0" err="1"/>
+                        <a:t>vuota</a:t>
+                      </a:r>
+                      <a:endParaRPr lang="en-US" sz="1400" dirty="0"/>
+                    </a:p>
+                  </a:txBody>
+                  <a:tcPr/>
+                </a:tc>
+                <a:extLst>
+                  <a:ext uri="{0D108BD9-81ED-4DB2-BD59-A6C34878D82A}">
+                    <a16:rowId xmlns:a16="http://schemas.microsoft.com/office/drawing/2014/main" val="1111122651"/>
+                  </a:ext>
+                </a:extLst>
+              </a:tr>
+              <a:tr h="450767">
+                <a:tc>
+                  <a:txBody>
+                    <a:bodyPr/>
+                    <a:lstStyle/>
+                    <a:p>
+                      <a:pPr marL="0" marR="0" lvl="0" indent="0" algn="l" defTabSz="914400" rtl="0" eaLnBrk="1" fontAlgn="auto" latinLnBrk="0" hangingPunct="1">
+                        <a:lnSpc>
+                          <a:spcPct val="100000"/>
+                        </a:lnSpc>
+                        <a:spcBef>
+                          <a:spcPts val="0"/>
+                        </a:spcBef>
+                        <a:spcAft>
+                          <a:spcPts val="0"/>
+                        </a:spcAft>
+                        <a:buClrTx/>
+                        <a:buSzTx/>
+                        <a:buFontTx/>
+                        <a:buNone/>
+                        <a:tabLst/>
+                        <a:defRPr/>
+                      </a:pPr>
+                      <a:r>
+                        <a:rPr lang="en-US" sz="1400" dirty="0"/>
+                        <a:t>Home.html -&gt; Upload a Song (form)  -&gt;  Upload Song</a:t>
+                      </a:r>
+                    </a:p>
+                  </a:txBody>
+                  <a:tcPr/>
+                </a:tc>
+                <a:tc>
+                  <a:txBody>
+                    <a:bodyPr/>
+                    <a:lstStyle/>
+                    <a:p>
+                      <a:endParaRPr lang="en-US" sz="1400" dirty="0"/>
+                    </a:p>
+                  </a:txBody>
+                  <a:tcPr/>
+                </a:tc>
+                <a:tc>
+                  <a:txBody>
+                    <a:bodyPr/>
+                    <a:lstStyle/>
+                    <a:p>
+                      <a:r>
+                        <a:rPr lang="en-US" sz="1400" dirty="0"/>
+                        <a:t>POST</a:t>
+                      </a:r>
+                    </a:p>
+                  </a:txBody>
+                  <a:tcPr/>
+                </a:tc>
+                <a:tc>
+                  <a:txBody>
+                    <a:bodyPr/>
+                    <a:lstStyle/>
+                    <a:p>
+                      <a:r>
+                        <a:rPr lang="en-US" sz="1400" dirty="0" err="1"/>
+                        <a:t>Controllo</a:t>
+                      </a:r>
+                      <a:r>
+                        <a:rPr lang="en-US" sz="1400" dirty="0"/>
+                        <a:t> </a:t>
+                      </a:r>
+                      <a:r>
+                        <a:rPr lang="en-US" sz="1400" dirty="0" err="1"/>
+                        <a:t>dati</a:t>
+                      </a:r>
+                      <a:r>
+                        <a:rPr lang="en-US" sz="1400" dirty="0"/>
+                        <a:t>,</a:t>
+                      </a:r>
+                    </a:p>
+                    <a:p>
+                      <a:r>
+                        <a:rPr lang="en-US" sz="1400" dirty="0" err="1"/>
+                        <a:t>Inserisci</a:t>
+                      </a:r>
+                      <a:r>
+                        <a:rPr lang="en-US" sz="1400" dirty="0"/>
+                        <a:t> </a:t>
+                      </a:r>
+                      <a:r>
+                        <a:rPr lang="en-US" sz="1400" dirty="0" err="1"/>
+                        <a:t>nuova</a:t>
+                      </a:r>
+                      <a:r>
+                        <a:rPr lang="en-US" sz="1400" dirty="0"/>
+                        <a:t> canzone</a:t>
+                      </a:r>
+                    </a:p>
+                  </a:txBody>
+                  <a:tcPr/>
+                </a:tc>
+                <a:extLst>
+                  <a:ext uri="{0D108BD9-81ED-4DB2-BD59-A6C34878D82A}">
+                    <a16:rowId xmlns:a16="http://schemas.microsoft.com/office/drawing/2014/main" val="2835988379"/>
+                  </a:ext>
+                </a:extLst>
+              </a:tr>
+            </a:tbl>
+          </a:graphicData>
+        </a:graphic>
+      </p:graphicFrame>
+    </p:spTree>
+    <p:extLst>
+      <p:ext uri="{BB962C8B-B14F-4D97-AF65-F5344CB8AC3E}">
+        <p14:creationId xmlns:p14="http://schemas.microsoft.com/office/powerpoint/2010/main" val="1313613165"/>
+      </p:ext>
+    </p:extLst>
+  </p:cSld>
+  <p:clrMapOvr>
+    <a:masterClrMapping/>
+  </p:clrMapOvr>
+</p:sld>
+</file>
+
+<file path=ppt/slides/slide11.xml><?xml version="1.0" encoding="utf-8"?>
+<p:sld xmlns:a="http://schemas.openxmlformats.org/drawingml/2006/main" xmlns:r="http://schemas.openxmlformats.org/officeDocument/2006/relationships" xmlns:p="http://schemas.openxmlformats.org/presentationml/2006/main">
+  <p:cSld>
+    <p:spTree>
+      <p:nvGrpSpPr>
+        <p:cNvPr id="1" name=""/>
+        <p:cNvGrpSpPr/>
+        <p:nvPr/>
+      </p:nvGrpSpPr>
+      <p:grpSpPr>
+        <a:xfrm>
+          <a:off x="0" y="0"/>
+          <a:ext cx="0" cy="0"/>
+          <a:chOff x="0" y="0"/>
+          <a:chExt cx="0" cy="0"/>
+        </a:xfrm>
+      </p:grpSpPr>
+      <p:sp>
+        <p:nvSpPr>
+          <p:cNvPr id="6" name="Titolo 1">
+            <a:extLst>
+              <a:ext uri="{FF2B5EF4-FFF2-40B4-BE49-F238E27FC236}">
+                <a16:creationId xmlns:a16="http://schemas.microsoft.com/office/drawing/2014/main" id="{0E7B94E0-F7DB-4E3D-AF67-6321834E5C8B}"/>
+              </a:ext>
+            </a:extLst>
+          </p:cNvPr>
+          <p:cNvSpPr>
+            <a:spLocks noGrp="1"/>
+          </p:cNvSpPr>
+          <p:nvPr>
+            <p:ph type="title"/>
+          </p:nvPr>
+        </p:nvSpPr>
+        <p:spPr>
+          <a:xfrm>
+            <a:off x="838200" y="365125"/>
+            <a:ext cx="10515600" cy="597401"/>
+          </a:xfrm>
+        </p:spPr>
+        <p:txBody>
+          <a:bodyPr>
+            <a:normAutofit fontScale="90000"/>
+          </a:bodyPr>
+          <a:lstStyle/>
+          <a:p>
+            <a:r>
+              <a:rPr lang="en-US" dirty="0" err="1"/>
+              <a:t>Eventi</a:t>
+            </a:r>
+            <a:r>
+              <a:rPr lang="en-US" dirty="0"/>
+              <a:t> e </a:t>
+            </a:r>
+            <a:r>
+              <a:rPr lang="en-US" dirty="0" err="1"/>
+              <a:t>Azioni</a:t>
+            </a:r>
+            <a:r>
+              <a:rPr lang="en-US" dirty="0"/>
+              <a:t> associate (2/2)</a:t>
+            </a:r>
+          </a:p>
+        </p:txBody>
+      </p:sp>
+      <p:graphicFrame>
+        <p:nvGraphicFramePr>
+          <p:cNvPr id="7" name="Tabella 4">
+            <a:extLst>
+              <a:ext uri="{FF2B5EF4-FFF2-40B4-BE49-F238E27FC236}">
+                <a16:creationId xmlns:a16="http://schemas.microsoft.com/office/drawing/2014/main" id="{4A240F1D-489F-481A-BA0A-4930DF29033C}"/>
+              </a:ext>
+            </a:extLst>
+          </p:cNvPr>
+          <p:cNvGraphicFramePr>
+            <a:graphicFrameLocks noGrp="1"/>
+          </p:cNvGraphicFramePr>
+          <p:nvPr>
+            <p:ph idx="1"/>
+            <p:extLst>
+              <p:ext uri="{D42A27DB-BD31-4B8C-83A1-F6EECF244321}">
+                <p14:modId xmlns:p14="http://schemas.microsoft.com/office/powerpoint/2010/main" val="2795838537"/>
+              </p:ext>
+            </p:extLst>
+          </p:nvPr>
+        </p:nvGraphicFramePr>
+        <p:xfrm>
+          <a:off x="673100" y="1070725"/>
+          <a:ext cx="11176000" cy="3948850"/>
+        </p:xfrm>
+        <a:graphic>
+          <a:graphicData uri="http://schemas.openxmlformats.org/drawingml/2006/table">
+            <a:tbl>
+              <a:tblPr firstRow="1" bandRow="1">
+                <a:tableStyleId>{5C22544A-7EE6-4342-B048-85BDC9FD1C3A}</a:tableStyleId>
+              </a:tblPr>
+              <a:tblGrid>
+                <a:gridCol w="2794000">
+                  <a:extLst>
+                    <a:ext uri="{9D8B030D-6E8A-4147-A177-3AD203B41FA5}">
+                      <a16:colId xmlns:a16="http://schemas.microsoft.com/office/drawing/2014/main" val="2681578775"/>
+                    </a:ext>
+                  </a:extLst>
+                </a:gridCol>
+                <a:gridCol w="2794000">
+                  <a:extLst>
+                    <a:ext uri="{9D8B030D-6E8A-4147-A177-3AD203B41FA5}">
+                      <a16:colId xmlns:a16="http://schemas.microsoft.com/office/drawing/2014/main" val="112399087"/>
+                    </a:ext>
+                  </a:extLst>
+                </a:gridCol>
+                <a:gridCol w="2794000">
+                  <a:extLst>
+                    <a:ext uri="{9D8B030D-6E8A-4147-A177-3AD203B41FA5}">
+                      <a16:colId xmlns:a16="http://schemas.microsoft.com/office/drawing/2014/main" val="2102075983"/>
+                    </a:ext>
+                  </a:extLst>
+                </a:gridCol>
+                <a:gridCol w="2794000">
+                  <a:extLst>
+                    <a:ext uri="{9D8B030D-6E8A-4147-A177-3AD203B41FA5}">
+                      <a16:colId xmlns:a16="http://schemas.microsoft.com/office/drawing/2014/main" val="2722917998"/>
+                    </a:ext>
+                  </a:extLst>
+                </a:gridCol>
+              </a:tblGrid>
+              <a:tr h="450767">
+                <a:tc gridSpan="2">
+                  <a:txBody>
+                    <a:bodyPr/>
+                    <a:lstStyle/>
+                    <a:p>
+                      <a:pPr algn="ctr"/>
+                      <a:r>
+                        <a:rPr lang="en-US" dirty="0" err="1"/>
+                        <a:t>ClientGE</a:t>
+                      </a:r>
+                      <a:endParaRPr lang="en-US" dirty="0"/>
+                    </a:p>
+                  </a:txBody>
+                  <a:tcPr/>
+                </a:tc>
+                <a:tc hMerge="1">
+                  <a:txBody>
+                    <a:bodyPr/>
+                    <a:lstStyle/>
+                    <a:p>
+                      <a:endParaRPr lang="en-US" dirty="0"/>
+                    </a:p>
+                  </a:txBody>
+                  <a:tcPr/>
+                </a:tc>
+                <a:tc gridSpan="2">
+                  <a:txBody>
+                    <a:bodyPr/>
+                    <a:lstStyle/>
+                    <a:p>
+                      <a:pPr algn="ctr"/>
+                      <a:r>
+                        <a:rPr lang="en-US" dirty="0"/>
+                        <a:t>Server</a:t>
+                      </a:r>
+                    </a:p>
+                  </a:txBody>
+                  <a:tcPr/>
+                </a:tc>
+                <a:tc hMerge="1">
+                  <a:txBody>
+                    <a:bodyPr/>
+                    <a:lstStyle/>
+                    <a:p>
+                      <a:endParaRPr lang="en-US" dirty="0"/>
+                    </a:p>
+                  </a:txBody>
+                  <a:tcPr/>
+                </a:tc>
+                <a:extLst>
+                  <a:ext uri="{0D108BD9-81ED-4DB2-BD59-A6C34878D82A}">
+                    <a16:rowId xmlns:a16="http://schemas.microsoft.com/office/drawing/2014/main" val="2947949975"/>
+                  </a:ext>
+                </a:extLst>
+              </a:tr>
+              <a:tr h="450767">
+                <a:tc>
+                  <a:txBody>
+                    <a:bodyPr/>
+                    <a:lstStyle/>
+                    <a:p>
+                      <a:pPr algn="ctr"/>
+                      <a:r>
+                        <a:rPr lang="en-US" b="1" dirty="0" err="1"/>
+                        <a:t>Evento</a:t>
+                      </a:r>
+                      <a:endParaRPr lang="en-US" b="1" dirty="0"/>
+                    </a:p>
+                  </a:txBody>
+                  <a:tcPr/>
+                </a:tc>
+                <a:tc>
+                  <a:txBody>
+                    <a:bodyPr/>
+                    <a:lstStyle/>
+                    <a:p>
+                      <a:pPr algn="ctr"/>
+                      <a:r>
+                        <a:rPr lang="en-US" b="1" dirty="0"/>
+                        <a:t>Azione</a:t>
+                      </a:r>
+                    </a:p>
+                  </a:txBody>
+                  <a:tcPr/>
+                </a:tc>
+                <a:tc>
+                  <a:txBody>
+                    <a:bodyPr/>
+                    <a:lstStyle/>
+                    <a:p>
+                      <a:pPr algn="ctr"/>
+                      <a:r>
+                        <a:rPr lang="en-US" b="1" dirty="0" err="1"/>
+                        <a:t>Evento</a:t>
+                      </a:r>
+                      <a:endParaRPr lang="en-US" b="1" dirty="0"/>
+                    </a:p>
+                  </a:txBody>
+                  <a:tcPr/>
+                </a:tc>
+                <a:tc>
+                  <a:txBody>
+                    <a:bodyPr/>
+                    <a:lstStyle/>
+                    <a:p>
+                      <a:pPr algn="ctr"/>
+                      <a:r>
+                        <a:rPr lang="en-US" b="1" dirty="0"/>
+                        <a:t>Azione</a:t>
+                      </a:r>
+                    </a:p>
+                  </a:txBody>
+                  <a:tcPr/>
+                </a:tc>
+                <a:extLst>
+                  <a:ext uri="{0D108BD9-81ED-4DB2-BD59-A6C34878D82A}">
+                    <a16:rowId xmlns:a16="http://schemas.microsoft.com/office/drawing/2014/main" val="951657748"/>
+                  </a:ext>
+                </a:extLst>
+              </a:tr>
+              <a:tr h="450767">
+                <a:tc>
+                  <a:txBody>
+                    <a:bodyPr/>
+                    <a:lstStyle/>
+                    <a:p>
+                      <a:pPr marL="0" marR="0" lvl="0" indent="0" algn="l" defTabSz="914400" rtl="0" eaLnBrk="1" fontAlgn="auto" latinLnBrk="0" hangingPunct="1">
+                        <a:lnSpc>
+                          <a:spcPct val="100000"/>
+                        </a:lnSpc>
+                        <a:spcBef>
+                          <a:spcPts val="0"/>
+                        </a:spcBef>
+                        <a:spcAft>
+                          <a:spcPts val="0"/>
+                        </a:spcAft>
+                        <a:buClrTx/>
+                        <a:buSzTx/>
+                        <a:buFontTx/>
+                        <a:buNone/>
+                        <a:tabLst/>
+                        <a:defRPr/>
+                      </a:pPr>
+                      <a:r>
+                        <a:rPr lang="en-US" sz="1400" dirty="0"/>
+                        <a:t>home.html -&gt; Song Player -&gt; Close</a:t>
+                      </a:r>
+                    </a:p>
+                  </a:txBody>
+                  <a:tcPr/>
+                </a:tc>
+                <a:tc>
+                  <a:txBody>
+                    <a:bodyPr/>
+                    <a:lstStyle/>
+                    <a:p>
+                      <a:r>
+                        <a:rPr lang="en-US" sz="1400" dirty="0" err="1"/>
+                        <a:t>Chiudi</a:t>
+                      </a:r>
+                      <a:r>
+                        <a:rPr lang="en-US" sz="1400" dirty="0"/>
+                        <a:t> Song Player,</a:t>
+                      </a:r>
+                    </a:p>
+                    <a:p>
+                      <a:r>
+                        <a:rPr lang="en-US" sz="1400" dirty="0" err="1"/>
+                        <a:t>Stoppa</a:t>
+                      </a:r>
+                      <a:r>
+                        <a:rPr lang="en-US" sz="1400" dirty="0"/>
+                        <a:t> audio</a:t>
+                      </a:r>
+                    </a:p>
+                  </a:txBody>
+                  <a:tcPr/>
+                </a:tc>
+                <a:tc>
+                  <a:txBody>
+                    <a:bodyPr/>
+                    <a:lstStyle/>
+                    <a:p>
+                      <a:r>
+                        <a:rPr lang="en-US" sz="1400" dirty="0"/>
+                        <a:t>-</a:t>
+                      </a:r>
+                    </a:p>
+                  </a:txBody>
+                  <a:tcPr/>
+                </a:tc>
+                <a:tc>
+                  <a:txBody>
+                    <a:bodyPr/>
+                    <a:lstStyle/>
+                    <a:p>
+                      <a:r>
+                        <a:rPr lang="en-US" sz="1400" dirty="0"/>
+                        <a:t>-</a:t>
+                      </a:r>
+                    </a:p>
+                  </a:txBody>
+                  <a:tcPr/>
+                </a:tc>
+                <a:extLst>
+                  <a:ext uri="{0D108BD9-81ED-4DB2-BD59-A6C34878D82A}">
+                    <a16:rowId xmlns:a16="http://schemas.microsoft.com/office/drawing/2014/main" val="4282396465"/>
+                  </a:ext>
+                </a:extLst>
+              </a:tr>
+              <a:tr h="450767">
+                <a:tc>
+                  <a:txBody>
+                    <a:bodyPr/>
+                    <a:lstStyle/>
+                    <a:p>
+                      <a:pPr marL="0" marR="0" lvl="0" indent="0" algn="l" defTabSz="914400" rtl="0" eaLnBrk="1" fontAlgn="auto" latinLnBrk="0" hangingPunct="1">
+                        <a:lnSpc>
+                          <a:spcPct val="100000"/>
+                        </a:lnSpc>
+                        <a:spcBef>
+                          <a:spcPts val="0"/>
+                        </a:spcBef>
+                        <a:spcAft>
+                          <a:spcPts val="0"/>
+                        </a:spcAft>
+                        <a:buClrTx/>
+                        <a:buSzTx/>
+                        <a:buFontTx/>
+                        <a:buNone/>
+                        <a:tabLst/>
+                        <a:defRPr/>
+                      </a:pPr>
+                      <a:r>
+                        <a:rPr lang="en-US" sz="1400" dirty="0"/>
+                        <a:t>home.html -&gt; Songs -&gt; Add To</a:t>
+                      </a:r>
+                      <a:endParaRPr lang="en-US" sz="1400" u="sng" dirty="0"/>
+                    </a:p>
+                  </a:txBody>
+                  <a:tcPr/>
+                </a:tc>
+                <a:tc>
+                  <a:txBody>
+                    <a:bodyPr/>
+                    <a:lstStyle/>
+                    <a:p>
+                      <a:r>
+                        <a:rPr lang="en-US" sz="1400" dirty="0" err="1"/>
+                        <a:t>Aggiorna</a:t>
+                      </a:r>
+                      <a:r>
+                        <a:rPr lang="en-US" sz="1400" dirty="0"/>
+                        <a:t> Current Playlist e Songs</a:t>
+                      </a:r>
+                    </a:p>
+                  </a:txBody>
+                  <a:tcPr/>
+                </a:tc>
+                <a:tc>
+                  <a:txBody>
+                    <a:bodyPr/>
+                    <a:lstStyle/>
+                    <a:p>
+                      <a:r>
+                        <a:rPr lang="en-US" sz="1400" dirty="0"/>
+                        <a:t>GET</a:t>
+                      </a:r>
+                    </a:p>
+                  </a:txBody>
+                  <a:tcPr/>
+                </a:tc>
+                <a:tc>
+                  <a:txBody>
+                    <a:bodyPr/>
+                    <a:lstStyle/>
+                    <a:p>
+                      <a:r>
+                        <a:rPr lang="en-US" sz="1400" dirty="0" err="1"/>
+                        <a:t>Controllo</a:t>
+                      </a:r>
+                      <a:r>
+                        <a:rPr lang="en-US" sz="1400" dirty="0"/>
+                        <a:t> </a:t>
+                      </a:r>
+                      <a:r>
+                        <a:rPr lang="en-US" sz="1400" dirty="0" err="1"/>
+                        <a:t>dati</a:t>
+                      </a:r>
+                      <a:endParaRPr lang="en-US" sz="1400" dirty="0"/>
+                    </a:p>
+                    <a:p>
+                      <a:r>
+                        <a:rPr lang="en-US" sz="1400" dirty="0" err="1"/>
+                        <a:t>Inserisci</a:t>
+                      </a:r>
+                      <a:r>
+                        <a:rPr lang="en-US" sz="1400" dirty="0"/>
+                        <a:t> song </a:t>
+                      </a:r>
+                      <a:r>
+                        <a:rPr lang="en-US" sz="1400" dirty="0" err="1"/>
+                        <a:t>nella</a:t>
+                      </a:r>
+                      <a:r>
+                        <a:rPr lang="en-US" sz="1400" dirty="0"/>
+                        <a:t> playlist</a:t>
+                      </a:r>
+                    </a:p>
+                  </a:txBody>
+                  <a:tcPr/>
+                </a:tc>
+                <a:extLst>
+                  <a:ext uri="{0D108BD9-81ED-4DB2-BD59-A6C34878D82A}">
+                    <a16:rowId xmlns:a16="http://schemas.microsoft.com/office/drawing/2014/main" val="309085157"/>
+                  </a:ext>
+                </a:extLst>
+              </a:tr>
+              <a:tr h="523909">
+                <a:tc>
+                  <a:txBody>
+                    <a:bodyPr/>
+                    <a:lstStyle/>
+                    <a:p>
+                      <a:pPr marL="0" marR="0" lvl="0" indent="0" algn="l" defTabSz="914400" rtl="0" eaLnBrk="1" fontAlgn="auto" latinLnBrk="0" hangingPunct="1">
+                        <a:lnSpc>
+                          <a:spcPct val="100000"/>
+                        </a:lnSpc>
+                        <a:spcBef>
+                          <a:spcPts val="0"/>
+                        </a:spcBef>
+                        <a:spcAft>
+                          <a:spcPts val="0"/>
+                        </a:spcAft>
+                        <a:buClrTx/>
+                        <a:buSzTx/>
+                        <a:buFontTx/>
+                        <a:buNone/>
+                        <a:tabLst/>
+                        <a:defRPr/>
+                      </a:pPr>
+                      <a:r>
+                        <a:rPr lang="en-US" sz="1400" dirty="0"/>
+                        <a:t>home.html -&gt; Current Playlist -&gt; Sort Songs</a:t>
+                      </a:r>
+                    </a:p>
+                  </a:txBody>
+                  <a:tcPr/>
+                </a:tc>
+                <a:tc>
+                  <a:txBody>
+                    <a:bodyPr/>
+                    <a:lstStyle/>
+                    <a:p>
+                      <a:r>
+                        <a:rPr lang="en-US" sz="1400" dirty="0" err="1"/>
+                        <a:t>Visualizza</a:t>
+                      </a:r>
+                      <a:r>
+                        <a:rPr lang="en-US" sz="1400" dirty="0"/>
+                        <a:t> e </a:t>
+                      </a:r>
+                      <a:r>
+                        <a:rPr lang="en-US" sz="1400" dirty="0" err="1"/>
+                        <a:t>aggiorna</a:t>
+                      </a:r>
+                      <a:r>
+                        <a:rPr lang="en-US" sz="1400" dirty="0"/>
+                        <a:t> Sort Playlist</a:t>
+                      </a:r>
+                    </a:p>
+                  </a:txBody>
+                  <a:tcPr/>
+                </a:tc>
+                <a:tc>
+                  <a:txBody>
+                    <a:bodyPr/>
+                    <a:lstStyle/>
+                    <a:p>
+                      <a:endParaRPr lang="en-US" sz="1400" dirty="0"/>
+                    </a:p>
+                  </a:txBody>
+                  <a:tcPr/>
+                </a:tc>
+                <a:tc>
+                  <a:txBody>
+                    <a:bodyPr/>
+                    <a:lstStyle/>
+                    <a:p>
+                      <a:endParaRPr lang="en-US" sz="1400" dirty="0"/>
+                    </a:p>
+                  </a:txBody>
+                  <a:tcPr/>
+                </a:tc>
+                <a:extLst>
+                  <a:ext uri="{0D108BD9-81ED-4DB2-BD59-A6C34878D82A}">
+                    <a16:rowId xmlns:a16="http://schemas.microsoft.com/office/drawing/2014/main" val="841938688"/>
+                  </a:ext>
+                </a:extLst>
+              </a:tr>
+              <a:tr h="450767">
+                <a:tc>
+                  <a:txBody>
+                    <a:bodyPr/>
+                    <a:lstStyle/>
+                    <a:p>
+                      <a:pPr marL="0" marR="0" lvl="0" indent="0" algn="l" defTabSz="914400" rtl="0" eaLnBrk="1" fontAlgn="auto" latinLnBrk="0" hangingPunct="1">
+                        <a:lnSpc>
+                          <a:spcPct val="100000"/>
+                        </a:lnSpc>
+                        <a:spcBef>
+                          <a:spcPts val="0"/>
+                        </a:spcBef>
+                        <a:spcAft>
+                          <a:spcPts val="0"/>
+                        </a:spcAft>
+                        <a:buClrTx/>
+                        <a:buSzTx/>
+                        <a:buFontTx/>
+                        <a:buNone/>
+                        <a:tabLst/>
+                        <a:defRPr/>
+                      </a:pPr>
+                      <a:r>
+                        <a:rPr lang="en-US" sz="1400" dirty="0"/>
+                        <a:t>home.html -&gt; Sort Playlist-&gt; Close</a:t>
+                      </a:r>
+                    </a:p>
+                  </a:txBody>
+                  <a:tcPr/>
+                </a:tc>
+                <a:tc>
+                  <a:txBody>
+                    <a:bodyPr/>
+                    <a:lstStyle/>
+                    <a:p>
+                      <a:r>
+                        <a:rPr lang="en-US" sz="1400" dirty="0" err="1"/>
+                        <a:t>Chiudi</a:t>
+                      </a:r>
+                      <a:r>
+                        <a:rPr lang="en-US" sz="1400" dirty="0"/>
+                        <a:t> Sort Playlist</a:t>
+                      </a:r>
+                    </a:p>
+                  </a:txBody>
+                  <a:tcPr/>
+                </a:tc>
+                <a:tc>
+                  <a:txBody>
+                    <a:bodyPr/>
+                    <a:lstStyle/>
+                    <a:p>
+                      <a:endParaRPr lang="en-US" sz="1400" dirty="0"/>
+                    </a:p>
+                  </a:txBody>
+                  <a:tcPr/>
+                </a:tc>
+                <a:tc>
+                  <a:txBody>
+                    <a:bodyPr/>
+                    <a:lstStyle/>
+                    <a:p>
+                      <a:endParaRPr lang="en-US" sz="1400" dirty="0"/>
+                    </a:p>
+                  </a:txBody>
+                  <a:tcPr/>
+                </a:tc>
+                <a:extLst>
+                  <a:ext uri="{0D108BD9-81ED-4DB2-BD59-A6C34878D82A}">
+                    <a16:rowId xmlns:a16="http://schemas.microsoft.com/office/drawing/2014/main" val="633869350"/>
+                  </a:ext>
+                </a:extLst>
+              </a:tr>
+              <a:tr h="450767">
+                <a:tc>
+                  <a:txBody>
+                    <a:bodyPr/>
+                    <a:lstStyle/>
+                    <a:p>
+                      <a:pPr marL="0" marR="0" lvl="0" indent="0" algn="l" defTabSz="914400" rtl="0" eaLnBrk="1" fontAlgn="auto" latinLnBrk="0" hangingPunct="1">
+                        <a:lnSpc>
+                          <a:spcPct val="100000"/>
+                        </a:lnSpc>
+                        <a:spcBef>
+                          <a:spcPts val="0"/>
+                        </a:spcBef>
+                        <a:spcAft>
+                          <a:spcPts val="0"/>
+                        </a:spcAft>
+                        <a:buClrTx/>
+                        <a:buSzTx/>
+                        <a:buFontTx/>
+                        <a:buNone/>
+                        <a:tabLst/>
+                        <a:defRPr/>
+                      </a:pPr>
+                      <a:r>
+                        <a:rPr lang="en-US" sz="1400" dirty="0"/>
+                        <a:t>home.html -&gt; Sort Playlist-&gt; Save Sorting</a:t>
+                      </a:r>
+                    </a:p>
+                  </a:txBody>
+                  <a:tcPr/>
+                </a:tc>
+                <a:tc>
+                  <a:txBody>
+                    <a:bodyPr/>
+                    <a:lstStyle/>
+                    <a:p>
+                      <a:r>
+                        <a:rPr lang="en-US" sz="1400" dirty="0" err="1"/>
+                        <a:t>Aggiorna</a:t>
+                      </a:r>
+                      <a:r>
+                        <a:rPr lang="en-US" sz="1400" dirty="0"/>
+                        <a:t> Current Playlist</a:t>
+                      </a:r>
+                    </a:p>
+                    <a:p>
+                      <a:r>
+                        <a:rPr lang="en-US" sz="1400" dirty="0" err="1"/>
+                        <a:t>Chiudi</a:t>
+                      </a:r>
+                      <a:r>
+                        <a:rPr lang="en-US" sz="1400" dirty="0"/>
+                        <a:t> Sort Playlist</a:t>
+                      </a:r>
+                    </a:p>
+                  </a:txBody>
+                  <a:tcPr/>
+                </a:tc>
+                <a:tc>
+                  <a:txBody>
+                    <a:bodyPr/>
+                    <a:lstStyle/>
+                    <a:p>
+                      <a:r>
+                        <a:rPr lang="en-US" sz="1400" dirty="0"/>
+                        <a:t>GET</a:t>
+                      </a:r>
+                    </a:p>
+                  </a:txBody>
+                  <a:tcPr/>
+                </a:tc>
+                <a:tc>
+                  <a:txBody>
+                    <a:bodyPr/>
+                    <a:lstStyle/>
+                    <a:p>
+                      <a:r>
+                        <a:rPr lang="en-US" sz="1400" dirty="0" err="1"/>
+                        <a:t>Controllo</a:t>
+                      </a:r>
+                      <a:r>
+                        <a:rPr lang="en-US" sz="1400" dirty="0"/>
+                        <a:t> </a:t>
+                      </a:r>
+                      <a:r>
+                        <a:rPr lang="en-US" sz="1400" dirty="0" err="1"/>
+                        <a:t>dati</a:t>
+                      </a:r>
+                      <a:endParaRPr lang="en-US" sz="1400" dirty="0"/>
+                    </a:p>
+                    <a:p>
+                      <a:r>
+                        <a:rPr lang="en-US" sz="1400" dirty="0"/>
+                        <a:t>Salva sorting canzoni</a:t>
+                      </a:r>
+                    </a:p>
+                  </a:txBody>
+                  <a:tcPr/>
+                </a:tc>
+                <a:extLst>
+                  <a:ext uri="{0D108BD9-81ED-4DB2-BD59-A6C34878D82A}">
+                    <a16:rowId xmlns:a16="http://schemas.microsoft.com/office/drawing/2014/main" val="317644754"/>
+                  </a:ext>
+                </a:extLst>
+              </a:tr>
+              <a:tr h="450767">
+                <a:tc>
+                  <a:txBody>
+                    <a:bodyPr/>
+                    <a:lstStyle/>
+                    <a:p>
+                      <a:pPr marL="0" marR="0" lvl="0" indent="0" algn="l" defTabSz="914400" rtl="0" eaLnBrk="1" fontAlgn="auto" latinLnBrk="0" hangingPunct="1">
+                        <a:lnSpc>
+                          <a:spcPct val="100000"/>
+                        </a:lnSpc>
+                        <a:spcBef>
+                          <a:spcPts val="0"/>
+                        </a:spcBef>
+                        <a:spcAft>
+                          <a:spcPts val="0"/>
+                        </a:spcAft>
+                        <a:buClrTx/>
+                        <a:buSzTx/>
+                        <a:buFontTx/>
+                        <a:buNone/>
+                        <a:tabLst/>
+                        <a:defRPr/>
+                      </a:pPr>
+                      <a:r>
+                        <a:rPr lang="en-US" sz="1400" dirty="0"/>
+                        <a:t>home.html -&gt; load</a:t>
+                      </a:r>
+                    </a:p>
+                  </a:txBody>
+                  <a:tcPr/>
+                </a:tc>
+                <a:tc>
+                  <a:txBody>
+                    <a:bodyPr/>
+                    <a:lstStyle/>
+                    <a:p>
+                      <a:r>
+                        <a:rPr lang="en-US" sz="1400" dirty="0" err="1"/>
+                        <a:t>Aggiorna</a:t>
+                      </a:r>
+                      <a:r>
+                        <a:rPr lang="en-US" sz="1400" dirty="0"/>
+                        <a:t> Your Playlists</a:t>
+                      </a:r>
+                    </a:p>
+                  </a:txBody>
+                  <a:tcPr/>
+                </a:tc>
+                <a:tc>
+                  <a:txBody>
+                    <a:bodyPr/>
+                    <a:lstStyle/>
+                    <a:p>
+                      <a:r>
+                        <a:rPr lang="en-US" sz="1400" dirty="0"/>
+                        <a:t>GET</a:t>
+                      </a:r>
+                    </a:p>
+                  </a:txBody>
+                  <a:tcPr/>
+                </a:tc>
+                <a:tc>
+                  <a:txBody>
+                    <a:bodyPr/>
+                    <a:lstStyle/>
+                    <a:p>
+                      <a:r>
+                        <a:rPr lang="en-US" sz="1400" dirty="0" err="1"/>
+                        <a:t>Controllo</a:t>
+                      </a:r>
+                      <a:r>
+                        <a:rPr lang="en-US" sz="1400" dirty="0"/>
+                        <a:t> </a:t>
+                      </a:r>
+                      <a:r>
+                        <a:rPr lang="en-US" sz="1400" dirty="0" err="1"/>
+                        <a:t>Dati</a:t>
+                      </a:r>
+                      <a:endParaRPr lang="en-US" sz="1400" dirty="0"/>
+                    </a:p>
+                    <a:p>
+                      <a:r>
+                        <a:rPr lang="en-US" sz="1400" dirty="0" err="1"/>
+                        <a:t>Estrai</a:t>
+                      </a:r>
+                      <a:r>
+                        <a:rPr lang="en-US" sz="1400" dirty="0"/>
+                        <a:t> playlists </a:t>
+                      </a:r>
+                      <a:r>
+                        <a:rPr lang="en-US" sz="1400" dirty="0" err="1"/>
+                        <a:t>utente</a:t>
+                      </a:r>
+                      <a:endParaRPr lang="en-US" sz="1400" dirty="0"/>
+                    </a:p>
+                  </a:txBody>
+                  <a:tcPr/>
+                </a:tc>
+                <a:extLst>
+                  <a:ext uri="{0D108BD9-81ED-4DB2-BD59-A6C34878D82A}">
+                    <a16:rowId xmlns:a16="http://schemas.microsoft.com/office/drawing/2014/main" val="488728311"/>
+                  </a:ext>
+                </a:extLst>
+              </a:tr>
+            </a:tbl>
+          </a:graphicData>
+        </a:graphic>
+      </p:graphicFrame>
+    </p:spTree>
+    <p:extLst>
+      <p:ext uri="{BB962C8B-B14F-4D97-AF65-F5344CB8AC3E}">
+        <p14:creationId xmlns:p14="http://schemas.microsoft.com/office/powerpoint/2010/main" val="3431782386"/>
+      </p:ext>
+    </p:extLst>
+  </p:cSld>
+  <p:clrMapOvr>
+    <a:masterClrMapping/>
+  </p:clrMapOvr>
+</p:sld>
+</file>
+
+<file path=ppt/slides/slide12.xml><?xml version="1.0" encoding="utf-8"?>
+<p:sld xmlns:a="http://schemas.openxmlformats.org/drawingml/2006/main" xmlns:r="http://schemas.openxmlformats.org/officeDocument/2006/relationships" xmlns:p="http://schemas.openxmlformats.org/presentationml/2006/main">
+  <p:cSld>
+    <p:spTree>
+      <p:nvGrpSpPr>
+        <p:cNvPr id="1" name=""/>
+        <p:cNvGrpSpPr/>
+        <p:nvPr/>
+      </p:nvGrpSpPr>
+      <p:grpSpPr>
+        <a:xfrm>
+          <a:off x="0" y="0"/>
+          <a:ext cx="0" cy="0"/>
+          <a:chOff x="0" y="0"/>
+          <a:chExt cx="0" cy="0"/>
+        </a:xfrm>
+      </p:grpSpPr>
+      <p:sp>
+        <p:nvSpPr>
+          <p:cNvPr id="2" name="Titolo 1">
+            <a:extLst>
+              <a:ext uri="{FF2B5EF4-FFF2-40B4-BE49-F238E27FC236}">
+                <a16:creationId xmlns:a16="http://schemas.microsoft.com/office/drawing/2014/main" id="{6368EEDF-FD34-4F12-8155-15BE7E5D93AB}"/>
+              </a:ext>
+            </a:extLst>
+          </p:cNvPr>
+          <p:cNvSpPr>
+            <a:spLocks noGrp="1"/>
+          </p:cNvSpPr>
+          <p:nvPr>
+            <p:ph type="title"/>
+          </p:nvPr>
+        </p:nvSpPr>
+        <p:spPr>
+          <a:xfrm>
+            <a:off x="838200" y="365125"/>
+            <a:ext cx="10515600" cy="597401"/>
+          </a:xfrm>
+        </p:spPr>
+        <p:txBody>
+          <a:bodyPr>
+            <a:normAutofit fontScale="90000"/>
+          </a:bodyPr>
+          <a:lstStyle/>
+          <a:p>
+            <a:r>
+              <a:rPr lang="en-US" dirty="0" err="1"/>
+              <a:t>Eventi</a:t>
+            </a:r>
+            <a:r>
+              <a:rPr lang="en-US" dirty="0"/>
+              <a:t> e Controllers </a:t>
+            </a:r>
+            <a:r>
+              <a:rPr lang="en-US" dirty="0" err="1"/>
+              <a:t>associati</a:t>
+            </a:r>
+            <a:r>
+              <a:rPr lang="en-US" dirty="0"/>
+              <a:t> (1/2)</a:t>
+            </a:r>
+          </a:p>
+        </p:txBody>
+      </p:sp>
+      <p:graphicFrame>
+        <p:nvGraphicFramePr>
+          <p:cNvPr id="4" name="Tabella 4">
+            <a:extLst>
+              <a:ext uri="{FF2B5EF4-FFF2-40B4-BE49-F238E27FC236}">
+                <a16:creationId xmlns:a16="http://schemas.microsoft.com/office/drawing/2014/main" id="{B2811983-F591-4730-A521-7DC4173D58A6}"/>
+              </a:ext>
+            </a:extLst>
+          </p:cNvPr>
+          <p:cNvGraphicFramePr>
+            <a:graphicFrameLocks noGrp="1"/>
+          </p:cNvGraphicFramePr>
+          <p:nvPr>
+            <p:ph idx="1"/>
+            <p:extLst>
+              <p:ext uri="{D42A27DB-BD31-4B8C-83A1-F6EECF244321}">
+                <p14:modId xmlns:p14="http://schemas.microsoft.com/office/powerpoint/2010/main" val="4259303808"/>
+              </p:ext>
+            </p:extLst>
+          </p:nvPr>
+        </p:nvGraphicFramePr>
+        <p:xfrm>
+          <a:off x="673100" y="1070725"/>
+          <a:ext cx="11176000" cy="5435937"/>
+        </p:xfrm>
+        <a:graphic>
+          <a:graphicData uri="http://schemas.openxmlformats.org/drawingml/2006/table">
+            <a:tbl>
+              <a:tblPr firstRow="1" bandRow="1">
+                <a:tableStyleId>{5C22544A-7EE6-4342-B048-85BDC9FD1C3A}</a:tableStyleId>
+              </a:tblPr>
+              <a:tblGrid>
+                <a:gridCol w="2794000">
+                  <a:extLst>
+                    <a:ext uri="{9D8B030D-6E8A-4147-A177-3AD203B41FA5}">
+                      <a16:colId xmlns:a16="http://schemas.microsoft.com/office/drawing/2014/main" val="2681578775"/>
+                    </a:ext>
+                  </a:extLst>
+                </a:gridCol>
+                <a:gridCol w="2794000">
+                  <a:extLst>
+                    <a:ext uri="{9D8B030D-6E8A-4147-A177-3AD203B41FA5}">
+                      <a16:colId xmlns:a16="http://schemas.microsoft.com/office/drawing/2014/main" val="112399087"/>
+                    </a:ext>
+                  </a:extLst>
+                </a:gridCol>
+                <a:gridCol w="2794000">
+                  <a:extLst>
+                    <a:ext uri="{9D8B030D-6E8A-4147-A177-3AD203B41FA5}">
+                      <a16:colId xmlns:a16="http://schemas.microsoft.com/office/drawing/2014/main" val="2102075983"/>
+                    </a:ext>
+                  </a:extLst>
+                </a:gridCol>
+                <a:gridCol w="2794000">
+                  <a:extLst>
+                    <a:ext uri="{9D8B030D-6E8A-4147-A177-3AD203B41FA5}">
+                      <a16:colId xmlns:a16="http://schemas.microsoft.com/office/drawing/2014/main" val="2722917998"/>
+                    </a:ext>
+                  </a:extLst>
+                </a:gridCol>
+              </a:tblGrid>
+              <a:tr h="450767">
+                <a:tc gridSpan="2">
+                  <a:txBody>
+                    <a:bodyPr/>
+                    <a:lstStyle/>
+                    <a:p>
+                      <a:pPr algn="ctr"/>
+                      <a:r>
+                        <a:rPr lang="en-US" dirty="0"/>
+                        <a:t>Client</a:t>
+                      </a:r>
+                    </a:p>
+                  </a:txBody>
+                  <a:tcPr/>
+                </a:tc>
+                <a:tc hMerge="1">
+                  <a:txBody>
+                    <a:bodyPr/>
+                    <a:lstStyle/>
+                    <a:p>
+                      <a:endParaRPr lang="en-US" dirty="0"/>
+                    </a:p>
+                  </a:txBody>
+                  <a:tcPr/>
+                </a:tc>
+                <a:tc gridSpan="2">
+                  <a:txBody>
+                    <a:bodyPr/>
+                    <a:lstStyle/>
+                    <a:p>
+                      <a:pPr algn="ctr"/>
+                      <a:r>
+                        <a:rPr lang="en-US" dirty="0"/>
+                        <a:t>Server</a:t>
+                      </a:r>
+                    </a:p>
+                  </a:txBody>
+                  <a:tcPr/>
+                </a:tc>
+                <a:tc hMerge="1">
+                  <a:txBody>
+                    <a:bodyPr/>
+                    <a:lstStyle/>
+                    <a:p>
+                      <a:endParaRPr lang="en-US" dirty="0"/>
+                    </a:p>
+                  </a:txBody>
+                  <a:tcPr/>
+                </a:tc>
+                <a:extLst>
+                  <a:ext uri="{0D108BD9-81ED-4DB2-BD59-A6C34878D82A}">
+                    <a16:rowId xmlns:a16="http://schemas.microsoft.com/office/drawing/2014/main" val="2947949975"/>
+                  </a:ext>
+                </a:extLst>
+              </a:tr>
+              <a:tr h="450767">
+                <a:tc>
+                  <a:txBody>
+                    <a:bodyPr/>
+                    <a:lstStyle/>
+                    <a:p>
+                      <a:pPr algn="ctr"/>
+                      <a:r>
+                        <a:rPr lang="en-US" b="1" dirty="0" err="1"/>
+                        <a:t>Evento</a:t>
+                      </a:r>
+                      <a:endParaRPr lang="en-US" b="1" dirty="0"/>
+                    </a:p>
+                  </a:txBody>
+                  <a:tcPr/>
+                </a:tc>
+                <a:tc>
+                  <a:txBody>
+                    <a:bodyPr/>
+                    <a:lstStyle/>
+                    <a:p>
+                      <a:pPr algn="ctr"/>
+                      <a:r>
+                        <a:rPr lang="en-US" b="1" dirty="0"/>
+                        <a:t>Controller</a:t>
+                      </a:r>
+                    </a:p>
+                  </a:txBody>
+                  <a:tcPr/>
+                </a:tc>
+                <a:tc>
+                  <a:txBody>
+                    <a:bodyPr/>
+                    <a:lstStyle/>
+                    <a:p>
+                      <a:pPr algn="ctr"/>
+                      <a:r>
+                        <a:rPr lang="en-US" b="1" dirty="0" err="1"/>
+                        <a:t>Evento</a:t>
+                      </a:r>
+                      <a:endParaRPr lang="en-US" b="1" dirty="0"/>
+                    </a:p>
+                  </a:txBody>
+                  <a:tcPr/>
+                </a:tc>
+                <a:tc>
+                  <a:txBody>
+                    <a:bodyPr/>
+                    <a:lstStyle/>
+                    <a:p>
+                      <a:pPr algn="ctr"/>
+                      <a:r>
+                        <a:rPr lang="en-US" b="1" dirty="0"/>
+                        <a:t>Controller</a:t>
+                      </a:r>
+                    </a:p>
+                  </a:txBody>
+                  <a:tcPr/>
+                </a:tc>
+                <a:extLst>
+                  <a:ext uri="{0D108BD9-81ED-4DB2-BD59-A6C34878D82A}">
+                    <a16:rowId xmlns:a16="http://schemas.microsoft.com/office/drawing/2014/main" val="951657748"/>
+                  </a:ext>
+                </a:extLst>
+              </a:tr>
+              <a:tr h="450767">
+                <a:tc>
+                  <a:txBody>
+                    <a:bodyPr/>
+                    <a:lstStyle/>
+                    <a:p>
+                      <a:pPr marL="0" marR="0" lvl="0" indent="0" algn="l" defTabSz="914400" rtl="0" eaLnBrk="1" fontAlgn="auto" latinLnBrk="0" hangingPunct="1">
+                        <a:lnSpc>
+                          <a:spcPct val="100000"/>
+                        </a:lnSpc>
+                        <a:spcBef>
+                          <a:spcPts val="0"/>
+                        </a:spcBef>
+                        <a:spcAft>
+                          <a:spcPts val="0"/>
+                        </a:spcAft>
+                        <a:buClrTx/>
+                        <a:buSzTx/>
+                        <a:buFontTx/>
+                        <a:buNone/>
+                        <a:tabLst/>
+                        <a:defRPr/>
+                      </a:pPr>
+                      <a:r>
+                        <a:rPr lang="en-US" sz="1400" dirty="0"/>
+                        <a:t>Index.html -&gt; start RIA version</a:t>
+                      </a:r>
+                    </a:p>
+                  </a:txBody>
+                  <a:tcPr/>
+                </a:tc>
+                <a:tc>
+                  <a:txBody>
+                    <a:bodyPr/>
+                    <a:lstStyle/>
+                    <a:p>
+                      <a:r>
+                        <a:rPr lang="en-US" sz="1400" dirty="0"/>
+                        <a:t>Browser call</a:t>
+                      </a:r>
+                    </a:p>
+                  </a:txBody>
+                  <a:tcPr/>
+                </a:tc>
+                <a:tc>
+                  <a:txBody>
+                    <a:bodyPr/>
+                    <a:lstStyle/>
+                    <a:p>
+                      <a:r>
+                        <a:rPr lang="en-US" sz="1400" dirty="0"/>
+                        <a:t>-</a:t>
+                      </a:r>
+                    </a:p>
+                  </a:txBody>
+                  <a:tcPr/>
+                </a:tc>
+                <a:tc>
+                  <a:txBody>
+                    <a:bodyPr/>
+                    <a:lstStyle/>
+                    <a:p>
+                      <a:r>
+                        <a:rPr lang="en-US" sz="1400" dirty="0"/>
+                        <a:t>-</a:t>
+                      </a:r>
+                    </a:p>
+                  </a:txBody>
+                  <a:tcPr/>
+                </a:tc>
+                <a:extLst>
+                  <a:ext uri="{0D108BD9-81ED-4DB2-BD59-A6C34878D82A}">
+                    <a16:rowId xmlns:a16="http://schemas.microsoft.com/office/drawing/2014/main" val="4282396465"/>
+                  </a:ext>
+                </a:extLst>
+              </a:tr>
+              <a:tr h="450767">
+                <a:tc>
+                  <a:txBody>
+                    <a:bodyPr/>
+                    <a:lstStyle/>
+                    <a:p>
+                      <a:pPr marL="0" marR="0" lvl="0" indent="0" algn="l" defTabSz="914400" rtl="0" eaLnBrk="1" fontAlgn="auto" latinLnBrk="0" hangingPunct="1">
+                        <a:lnSpc>
+                          <a:spcPct val="100000"/>
+                        </a:lnSpc>
+                        <a:spcBef>
+                          <a:spcPts val="0"/>
+                        </a:spcBef>
+                        <a:spcAft>
+                          <a:spcPts val="0"/>
+                        </a:spcAft>
+                        <a:buClrTx/>
+                        <a:buSzTx/>
+                        <a:buFontTx/>
+                        <a:buNone/>
+                        <a:tabLst/>
+                        <a:defRPr/>
+                      </a:pPr>
+                      <a:r>
+                        <a:rPr lang="en-US" sz="1400" dirty="0"/>
+                        <a:t>login.html -&gt; login (form) -&gt; login</a:t>
+                      </a:r>
+                    </a:p>
+                  </a:txBody>
+                  <a:tcPr/>
+                </a:tc>
+                <a:tc>
+                  <a:txBody>
+                    <a:bodyPr/>
+                    <a:lstStyle/>
+                    <a:p>
+                      <a:r>
+                        <a:rPr lang="en-US" sz="1400" dirty="0" err="1"/>
+                        <a:t>makeCall</a:t>
+                      </a:r>
+                      <a:endParaRPr lang="en-US" sz="1400" dirty="0"/>
+                    </a:p>
+                  </a:txBody>
+                  <a:tcPr/>
+                </a:tc>
+                <a:tc>
+                  <a:txBody>
+                    <a:bodyPr/>
+                    <a:lstStyle/>
+                    <a:p>
+                      <a:r>
+                        <a:rPr lang="en-US" sz="1400" dirty="0"/>
+                        <a:t>POST username, password</a:t>
+                      </a:r>
+                    </a:p>
+                  </a:txBody>
+                  <a:tcPr/>
+                </a:tc>
+                <a:tc>
+                  <a:txBody>
+                    <a:bodyPr/>
+                    <a:lstStyle/>
+                    <a:p>
+                      <a:r>
+                        <a:rPr lang="en-US" sz="1400" dirty="0"/>
+                        <a:t>Login</a:t>
+                      </a:r>
+                    </a:p>
+                  </a:txBody>
+                  <a:tcPr/>
+                </a:tc>
+                <a:extLst>
+                  <a:ext uri="{0D108BD9-81ED-4DB2-BD59-A6C34878D82A}">
+                    <a16:rowId xmlns:a16="http://schemas.microsoft.com/office/drawing/2014/main" val="309085157"/>
+                  </a:ext>
+                </a:extLst>
+              </a:tr>
+              <a:tr h="523909">
+                <a:tc>
+                  <a:txBody>
+                    <a:bodyPr/>
+                    <a:lstStyle/>
+                    <a:p>
+                      <a:pPr marL="0" marR="0" lvl="0" indent="0" algn="l" defTabSz="914400" rtl="0" eaLnBrk="1" fontAlgn="auto" latinLnBrk="0" hangingPunct="1">
+                        <a:lnSpc>
+                          <a:spcPct val="100000"/>
+                        </a:lnSpc>
+                        <a:spcBef>
+                          <a:spcPts val="0"/>
+                        </a:spcBef>
+                        <a:spcAft>
+                          <a:spcPts val="0"/>
+                        </a:spcAft>
+                        <a:buClrTx/>
+                        <a:buSzTx/>
+                        <a:buFontTx/>
+                        <a:buNone/>
+                        <a:tabLst/>
+                        <a:defRPr/>
+                      </a:pPr>
+                      <a:r>
+                        <a:rPr lang="en-US" sz="1400" dirty="0"/>
+                        <a:t>home.html -&gt; logout</a:t>
+                      </a:r>
+                    </a:p>
+                  </a:txBody>
+                  <a:tcPr/>
+                </a:tc>
+                <a:tc>
+                  <a:txBody>
+                    <a:bodyPr/>
+                    <a:lstStyle/>
+                    <a:p>
+                      <a:r>
+                        <a:rPr lang="en-US" sz="1400" dirty="0"/>
+                        <a:t>Browser call</a:t>
+                      </a:r>
+                    </a:p>
+                  </a:txBody>
+                  <a:tcPr/>
+                </a:tc>
+                <a:tc>
+                  <a:txBody>
+                    <a:bodyPr/>
+                    <a:lstStyle/>
+                    <a:p>
+                      <a:r>
+                        <a:rPr lang="en-US" sz="1400" dirty="0"/>
+                        <a:t>GET</a:t>
+                      </a:r>
+                    </a:p>
+                  </a:txBody>
+                  <a:tcPr/>
+                </a:tc>
+                <a:tc>
+                  <a:txBody>
+                    <a:bodyPr/>
+                    <a:lstStyle/>
+                    <a:p>
+                      <a:r>
+                        <a:rPr lang="en-US" sz="1400" dirty="0"/>
+                        <a:t>Logout</a:t>
+                      </a:r>
+                    </a:p>
+                  </a:txBody>
+                  <a:tcPr/>
+                </a:tc>
+                <a:extLst>
+                  <a:ext uri="{0D108BD9-81ED-4DB2-BD59-A6C34878D82A}">
+                    <a16:rowId xmlns:a16="http://schemas.microsoft.com/office/drawing/2014/main" val="841938688"/>
+                  </a:ext>
+                </a:extLst>
+              </a:tr>
+              <a:tr h="450767">
+                <a:tc>
+                  <a:txBody>
+                    <a:bodyPr/>
+                    <a:lstStyle/>
+                    <a:p>
+                      <a:pPr marL="0" marR="0" lvl="0" indent="0" algn="l" defTabSz="914400" rtl="0" eaLnBrk="1" fontAlgn="auto" latinLnBrk="0" hangingPunct="1">
+                        <a:lnSpc>
+                          <a:spcPct val="100000"/>
+                        </a:lnSpc>
+                        <a:spcBef>
+                          <a:spcPts val="0"/>
+                        </a:spcBef>
+                        <a:spcAft>
+                          <a:spcPts val="0"/>
+                        </a:spcAft>
+                        <a:buClrTx/>
+                        <a:buSzTx/>
+                        <a:buFontTx/>
+                        <a:buNone/>
+                        <a:tabLst/>
+                        <a:defRPr/>
+                      </a:pPr>
+                      <a:r>
+                        <a:rPr lang="en-US" sz="1400" dirty="0"/>
+                        <a:t>home.html -&gt; Your playlists -&gt; playlist</a:t>
+                      </a:r>
+                    </a:p>
+                  </a:txBody>
+                  <a:tcPr/>
+                </a:tc>
+                <a:tc>
+                  <a:txBody>
+                    <a:bodyPr/>
+                    <a:lstStyle/>
+                    <a:p>
+                      <a:r>
+                        <a:rPr lang="en-US" sz="1400" dirty="0" err="1"/>
+                        <a:t>makeCall</a:t>
+                      </a:r>
+                      <a:endParaRPr lang="en-US" sz="1400" dirty="0"/>
+                    </a:p>
+                  </a:txBody>
+                  <a:tcPr/>
+                </a:tc>
+                <a:tc>
+                  <a:txBody>
+                    <a:bodyPr/>
+                    <a:lstStyle/>
+                    <a:p>
+                      <a:r>
+                        <a:rPr lang="en-US" sz="1400" dirty="0"/>
+                        <a:t>GET </a:t>
+                      </a:r>
+                      <a:r>
+                        <a:rPr lang="en-US" sz="1400" dirty="0" err="1"/>
+                        <a:t>playlistId</a:t>
+                      </a:r>
+                      <a:endParaRPr lang="en-US" sz="1400" dirty="0"/>
+                    </a:p>
+                  </a:txBody>
+                  <a:tcPr/>
+                </a:tc>
+                <a:tc>
+                  <a:txBody>
+                    <a:bodyPr/>
+                    <a:lstStyle/>
+                    <a:p>
+                      <a:r>
+                        <a:rPr lang="en-US" sz="1400" dirty="0" err="1"/>
+                        <a:t>GetPlaylistData</a:t>
+                      </a:r>
+                      <a:endParaRPr lang="en-US" sz="1400" dirty="0"/>
+                    </a:p>
+                  </a:txBody>
+                  <a:tcPr/>
+                </a:tc>
+                <a:extLst>
+                  <a:ext uri="{0D108BD9-81ED-4DB2-BD59-A6C34878D82A}">
+                    <a16:rowId xmlns:a16="http://schemas.microsoft.com/office/drawing/2014/main" val="633869350"/>
+                  </a:ext>
+                </a:extLst>
+              </a:tr>
+              <a:tr h="450767">
+                <a:tc>
+                  <a:txBody>
+                    <a:bodyPr/>
+                    <a:lstStyle/>
+                    <a:p>
+                      <a:pPr marL="0" marR="0" lvl="0" indent="0" algn="l" defTabSz="914400" rtl="0" eaLnBrk="1" fontAlgn="auto" latinLnBrk="0" hangingPunct="1">
+                        <a:lnSpc>
+                          <a:spcPct val="100000"/>
+                        </a:lnSpc>
+                        <a:spcBef>
+                          <a:spcPts val="0"/>
+                        </a:spcBef>
+                        <a:spcAft>
+                          <a:spcPts val="0"/>
+                        </a:spcAft>
+                        <a:buClrTx/>
+                        <a:buSzTx/>
+                        <a:buFontTx/>
+                        <a:buNone/>
+                        <a:tabLst/>
+                        <a:defRPr/>
+                      </a:pPr>
+                      <a:r>
+                        <a:rPr lang="en-US" sz="1400" dirty="0"/>
+                        <a:t>home.html -&gt; Current Playlist -&gt; song</a:t>
+                      </a:r>
+                    </a:p>
+                  </a:txBody>
+                  <a:tcPr/>
+                </a:tc>
+                <a:tc>
+                  <a:txBody>
+                    <a:bodyPr/>
+                    <a:lstStyle/>
+                    <a:p>
+                      <a:r>
+                        <a:rPr lang="en-US" sz="1400" dirty="0" err="1"/>
+                        <a:t>makeCall</a:t>
+                      </a:r>
+                      <a:endParaRPr lang="en-US" sz="1400" dirty="0"/>
+                    </a:p>
+                  </a:txBody>
+                  <a:tcPr/>
+                </a:tc>
+                <a:tc>
+                  <a:txBody>
+                    <a:bodyPr/>
+                    <a:lstStyle/>
+                    <a:p>
+                      <a:r>
+                        <a:rPr lang="en-US" sz="1400" dirty="0"/>
+                        <a:t>GET </a:t>
+                      </a:r>
+                      <a:r>
+                        <a:rPr lang="en-US" sz="1400" dirty="0" err="1"/>
+                        <a:t>songId</a:t>
+                      </a:r>
+                      <a:endParaRPr lang="en-US" sz="1400" dirty="0"/>
+                    </a:p>
+                  </a:txBody>
+                  <a:tcPr/>
+                </a:tc>
+                <a:tc>
+                  <a:txBody>
+                    <a:bodyPr/>
+                    <a:lstStyle/>
+                    <a:p>
+                      <a:r>
+                        <a:rPr lang="en-US" sz="1400" dirty="0" err="1"/>
+                        <a:t>GetSongData</a:t>
+                      </a:r>
+                      <a:endParaRPr lang="en-US" sz="1400" dirty="0"/>
+                    </a:p>
+                  </a:txBody>
+                  <a:tcPr/>
+                </a:tc>
+                <a:extLst>
+                  <a:ext uri="{0D108BD9-81ED-4DB2-BD59-A6C34878D82A}">
+                    <a16:rowId xmlns:a16="http://schemas.microsoft.com/office/drawing/2014/main" val="317644754"/>
+                  </a:ext>
+                </a:extLst>
+              </a:tr>
+              <a:tr h="450767">
+                <a:tc>
+                  <a:txBody>
+                    <a:bodyPr/>
+                    <a:lstStyle/>
+                    <a:p>
+                      <a:pPr marL="0" marR="0" lvl="0" indent="0" algn="l" defTabSz="914400" rtl="0" eaLnBrk="1" fontAlgn="auto" latinLnBrk="0" hangingPunct="1">
+                        <a:lnSpc>
+                          <a:spcPct val="100000"/>
+                        </a:lnSpc>
+                        <a:spcBef>
+                          <a:spcPts val="0"/>
+                        </a:spcBef>
+                        <a:spcAft>
+                          <a:spcPts val="0"/>
+                        </a:spcAft>
+                        <a:buClrTx/>
+                        <a:buSzTx/>
+                        <a:buFontTx/>
+                        <a:buNone/>
+                        <a:tabLst/>
+                        <a:defRPr/>
+                      </a:pPr>
+                      <a:r>
+                        <a:rPr lang="en-US" sz="1400" dirty="0"/>
+                        <a:t>home.html -&gt; Current Playlist -&gt; Next/Previous</a:t>
+                      </a:r>
+                    </a:p>
+                  </a:txBody>
+                  <a:tcPr/>
+                </a:tc>
+                <a:tc>
+                  <a:txBody>
+                    <a:bodyPr/>
+                    <a:lstStyle/>
+                    <a:p>
+                      <a:r>
+                        <a:rPr lang="en-US" sz="1400" dirty="0" err="1"/>
+                        <a:t>ShowPlaylist.update</a:t>
+                      </a:r>
+                      <a:endParaRPr lang="en-US" sz="1400" dirty="0"/>
+                    </a:p>
+                  </a:txBody>
+                  <a:tcPr/>
+                </a:tc>
+                <a:tc>
+                  <a:txBody>
+                    <a:bodyPr/>
+                    <a:lstStyle/>
+                    <a:p>
+                      <a:r>
+                        <a:rPr lang="en-US" sz="1400" dirty="0"/>
+                        <a:t>-</a:t>
+                      </a:r>
+                    </a:p>
+                  </a:txBody>
+                  <a:tcPr/>
+                </a:tc>
+                <a:tc>
+                  <a:txBody>
+                    <a:bodyPr/>
+                    <a:lstStyle/>
+                    <a:p>
+                      <a:r>
+                        <a:rPr lang="en-US" sz="1400" dirty="0"/>
+                        <a:t>-</a:t>
+                      </a:r>
+                    </a:p>
+                  </a:txBody>
+                  <a:tcPr/>
+                </a:tc>
+                <a:extLst>
+                  <a:ext uri="{0D108BD9-81ED-4DB2-BD59-A6C34878D82A}">
+                    <a16:rowId xmlns:a16="http://schemas.microsoft.com/office/drawing/2014/main" val="332613330"/>
+                  </a:ext>
+                </a:extLst>
+              </a:tr>
+              <a:tr h="450767">
+                <a:tc>
+                  <a:txBody>
+                    <a:bodyPr/>
+                    <a:lstStyle/>
+                    <a:p>
+                      <a:pPr marL="0" marR="0" lvl="0" indent="0" algn="l" defTabSz="914400" rtl="0" eaLnBrk="1" fontAlgn="auto" latinLnBrk="0" hangingPunct="1">
+                        <a:lnSpc>
+                          <a:spcPct val="100000"/>
+                        </a:lnSpc>
+                        <a:spcBef>
+                          <a:spcPts val="0"/>
+                        </a:spcBef>
+                        <a:spcAft>
+                          <a:spcPts val="0"/>
+                        </a:spcAft>
+                        <a:buClrTx/>
+                        <a:buSzTx/>
+                        <a:buFontTx/>
+                        <a:buNone/>
+                        <a:tabLst/>
+                        <a:defRPr/>
+                      </a:pPr>
+                      <a:r>
+                        <a:rPr lang="en-US" sz="1400" dirty="0"/>
+                        <a:t>home.html -&gt; Current Playlist -&gt; Sort Songs</a:t>
+                      </a:r>
+                    </a:p>
+                  </a:txBody>
+                  <a:tcPr/>
+                </a:tc>
+                <a:tc>
+                  <a:txBody>
+                    <a:bodyPr/>
+                    <a:lstStyle/>
+                    <a:p>
+                      <a:r>
+                        <a:rPr lang="en-US" sz="1400" dirty="0" err="1"/>
+                        <a:t>SortPlaylist.update</a:t>
+                      </a:r>
+                      <a:endParaRPr lang="en-US" sz="1400" dirty="0"/>
+                    </a:p>
+                  </a:txBody>
+                  <a:tcPr/>
+                </a:tc>
+                <a:tc>
+                  <a:txBody>
+                    <a:bodyPr/>
+                    <a:lstStyle/>
+                    <a:p>
+                      <a:r>
+                        <a:rPr lang="en-US" sz="1400" dirty="0"/>
+                        <a:t>-</a:t>
+                      </a:r>
+                    </a:p>
+                  </a:txBody>
+                  <a:tcPr/>
+                </a:tc>
+                <a:tc>
+                  <a:txBody>
+                    <a:bodyPr/>
+                    <a:lstStyle/>
+                    <a:p>
+                      <a:r>
+                        <a:rPr lang="en-US" sz="1400" dirty="0"/>
+                        <a:t>-</a:t>
+                      </a:r>
+                    </a:p>
+                  </a:txBody>
+                  <a:tcPr/>
+                </a:tc>
+                <a:extLst>
+                  <a:ext uri="{0D108BD9-81ED-4DB2-BD59-A6C34878D82A}">
+                    <a16:rowId xmlns:a16="http://schemas.microsoft.com/office/drawing/2014/main" val="1390086034"/>
+                  </a:ext>
+                </a:extLst>
+              </a:tr>
+              <a:tr h="450767">
+                <a:tc>
+                  <a:txBody>
+                    <a:bodyPr/>
+                    <a:lstStyle/>
+                    <a:p>
+                      <a:pPr marL="0" marR="0" lvl="0" indent="0" algn="l" defTabSz="914400" rtl="0" eaLnBrk="1" fontAlgn="auto" latinLnBrk="0" hangingPunct="1">
+                        <a:lnSpc>
+                          <a:spcPct val="100000"/>
+                        </a:lnSpc>
+                        <a:spcBef>
+                          <a:spcPts val="0"/>
+                        </a:spcBef>
+                        <a:spcAft>
+                          <a:spcPts val="0"/>
+                        </a:spcAft>
+                        <a:buClrTx/>
+                        <a:buSzTx/>
+                        <a:buFontTx/>
+                        <a:buNone/>
+                        <a:tabLst/>
+                        <a:defRPr/>
+                      </a:pPr>
+                      <a:r>
+                        <a:rPr lang="en-US" sz="1400" dirty="0"/>
+                        <a:t>home.html -&gt; Create New Playlist (form)  -&gt; Create Playlist </a:t>
+                      </a:r>
+                    </a:p>
+                  </a:txBody>
+                  <a:tcPr/>
+                </a:tc>
+                <a:tc>
+                  <a:txBody>
+                    <a:bodyPr/>
+                    <a:lstStyle/>
+                    <a:p>
+                      <a:r>
+                        <a:rPr lang="en-US" sz="1400" dirty="0" err="1"/>
+                        <a:t>makeCall</a:t>
+                      </a:r>
+                      <a:endParaRPr lang="en-US" sz="1400" dirty="0"/>
+                    </a:p>
+                  </a:txBody>
+                  <a:tcPr/>
+                </a:tc>
+                <a:tc>
+                  <a:txBody>
+                    <a:bodyPr/>
+                    <a:lstStyle/>
+                    <a:p>
+                      <a:r>
+                        <a:rPr lang="en-US" sz="1400" dirty="0"/>
+                        <a:t>POST name</a:t>
+                      </a:r>
+                    </a:p>
+                  </a:txBody>
+                  <a:tcPr/>
+                </a:tc>
+                <a:tc>
+                  <a:txBody>
+                    <a:bodyPr/>
+                    <a:lstStyle/>
+                    <a:p>
+                      <a:r>
+                        <a:rPr lang="en-US" sz="1400" dirty="0" err="1"/>
+                        <a:t>CreateNewPlaylist</a:t>
+                      </a:r>
+                      <a:endParaRPr lang="en-US" sz="1400" dirty="0"/>
+                    </a:p>
+                  </a:txBody>
+                  <a:tcPr/>
+                </a:tc>
+                <a:extLst>
+                  <a:ext uri="{0D108BD9-81ED-4DB2-BD59-A6C34878D82A}">
+                    <a16:rowId xmlns:a16="http://schemas.microsoft.com/office/drawing/2014/main" val="1111122651"/>
+                  </a:ext>
+                </a:extLst>
+              </a:tr>
+              <a:tr h="450767">
+                <a:tc>
+                  <a:txBody>
+                    <a:bodyPr/>
+                    <a:lstStyle/>
+                    <a:p>
+                      <a:pPr marL="0" marR="0" lvl="0" indent="0" algn="l" defTabSz="914400" rtl="0" eaLnBrk="1" fontAlgn="auto" latinLnBrk="0" hangingPunct="1">
+                        <a:lnSpc>
+                          <a:spcPct val="100000"/>
+                        </a:lnSpc>
+                        <a:spcBef>
+                          <a:spcPts val="0"/>
+                        </a:spcBef>
+                        <a:spcAft>
+                          <a:spcPts val="0"/>
+                        </a:spcAft>
+                        <a:buClrTx/>
+                        <a:buSzTx/>
+                        <a:buFontTx/>
+                        <a:buNone/>
+                        <a:tabLst/>
+                        <a:defRPr/>
+                      </a:pPr>
+                      <a:r>
+                        <a:rPr lang="en-US" sz="1400" dirty="0"/>
+                        <a:t>Home.html -&gt; Upload a Song (form)  -&gt;  Upload Song</a:t>
+                      </a:r>
+                    </a:p>
+                  </a:txBody>
+                  <a:tcPr/>
+                </a:tc>
+                <a:tc>
+                  <a:txBody>
+                    <a:bodyPr/>
+                    <a:lstStyle/>
+                    <a:p>
+                      <a:r>
+                        <a:rPr lang="en-US" sz="1400" dirty="0" err="1"/>
+                        <a:t>makeCall</a:t>
+                      </a:r>
+                      <a:endParaRPr lang="en-US" sz="1400" dirty="0"/>
+                    </a:p>
+                  </a:txBody>
+                  <a:tcPr/>
+                </a:tc>
+                <a:tc>
+                  <a:txBody>
+                    <a:bodyPr/>
+                    <a:lstStyle/>
+                    <a:p>
+                      <a:r>
+                        <a:rPr lang="en-US" sz="1400" dirty="0"/>
+                        <a:t>POST title, artist, album, year, genre, audio, image</a:t>
+                      </a:r>
+                    </a:p>
+                  </a:txBody>
+                  <a:tcPr/>
+                </a:tc>
+                <a:tc>
+                  <a:txBody>
+                    <a:bodyPr/>
+                    <a:lstStyle/>
+                    <a:p>
+                      <a:r>
+                        <a:rPr lang="en-US" sz="1400" dirty="0" err="1"/>
+                        <a:t>UploadSong</a:t>
+                      </a:r>
+                      <a:endParaRPr lang="en-US" sz="1400" dirty="0"/>
+                    </a:p>
+                  </a:txBody>
+                  <a:tcPr/>
+                </a:tc>
+                <a:extLst>
+                  <a:ext uri="{0D108BD9-81ED-4DB2-BD59-A6C34878D82A}">
+                    <a16:rowId xmlns:a16="http://schemas.microsoft.com/office/drawing/2014/main" val="2835988379"/>
+                  </a:ext>
+                </a:extLst>
+              </a:tr>
+            </a:tbl>
+          </a:graphicData>
+        </a:graphic>
+      </p:graphicFrame>
+    </p:spTree>
+    <p:extLst>
+      <p:ext uri="{BB962C8B-B14F-4D97-AF65-F5344CB8AC3E}">
+        <p14:creationId xmlns:p14="http://schemas.microsoft.com/office/powerpoint/2010/main" val="2573959113"/>
+      </p:ext>
+    </p:extLst>
+  </p:cSld>
+  <p:clrMapOvr>
+    <a:masterClrMapping/>
+  </p:clrMapOvr>
+</p:sld>
+</file>
+
+<file path=ppt/slides/slide13.xml><?xml version="1.0" encoding="utf-8"?>
+<p:sld xmlns:a="http://schemas.openxmlformats.org/drawingml/2006/main" xmlns:r="http://schemas.openxmlformats.org/officeDocument/2006/relationships" xmlns:p="http://schemas.openxmlformats.org/presentationml/2006/main">
+  <p:cSld>
+    <p:spTree>
+      <p:nvGrpSpPr>
+        <p:cNvPr id="1" name=""/>
+        <p:cNvGrpSpPr/>
+        <p:nvPr/>
+      </p:nvGrpSpPr>
+      <p:grpSpPr>
+        <a:xfrm>
+          <a:off x="0" y="0"/>
+          <a:ext cx="0" cy="0"/>
+          <a:chOff x="0" y="0"/>
+          <a:chExt cx="0" cy="0"/>
+        </a:xfrm>
+      </p:grpSpPr>
+      <p:sp>
+        <p:nvSpPr>
+          <p:cNvPr id="6" name="Titolo 1">
+            <a:extLst>
+              <a:ext uri="{FF2B5EF4-FFF2-40B4-BE49-F238E27FC236}">
+                <a16:creationId xmlns:a16="http://schemas.microsoft.com/office/drawing/2014/main" id="{0E7B94E0-F7DB-4E3D-AF67-6321834E5C8B}"/>
+              </a:ext>
+            </a:extLst>
+          </p:cNvPr>
+          <p:cNvSpPr>
+            <a:spLocks noGrp="1"/>
+          </p:cNvSpPr>
+          <p:nvPr>
+            <p:ph type="title"/>
+          </p:nvPr>
+        </p:nvSpPr>
+        <p:spPr>
+          <a:xfrm>
+            <a:off x="838200" y="365125"/>
+            <a:ext cx="10515600" cy="597401"/>
+          </a:xfrm>
+        </p:spPr>
+        <p:txBody>
+          <a:bodyPr>
+            <a:normAutofit fontScale="90000"/>
+          </a:bodyPr>
+          <a:lstStyle/>
+          <a:p>
+            <a:r>
+              <a:rPr lang="en-US" dirty="0" err="1"/>
+              <a:t>Eventi</a:t>
+            </a:r>
+            <a:r>
+              <a:rPr lang="en-US" dirty="0"/>
+              <a:t> e Controllers </a:t>
+            </a:r>
+            <a:r>
+              <a:rPr lang="en-US" dirty="0" err="1"/>
+              <a:t>associati</a:t>
+            </a:r>
+            <a:r>
+              <a:rPr lang="en-US" dirty="0"/>
+              <a:t> (2/2)</a:t>
+            </a:r>
+          </a:p>
+        </p:txBody>
+      </p:sp>
+      <p:graphicFrame>
+        <p:nvGraphicFramePr>
+          <p:cNvPr id="7" name="Tabella 4">
+            <a:extLst>
+              <a:ext uri="{FF2B5EF4-FFF2-40B4-BE49-F238E27FC236}">
+                <a16:creationId xmlns:a16="http://schemas.microsoft.com/office/drawing/2014/main" id="{4A240F1D-489F-481A-BA0A-4930DF29033C}"/>
+              </a:ext>
+            </a:extLst>
+          </p:cNvPr>
+          <p:cNvGraphicFramePr>
+            <a:graphicFrameLocks noGrp="1"/>
+          </p:cNvGraphicFramePr>
+          <p:nvPr>
+            <p:ph idx="1"/>
+            <p:extLst>
+              <p:ext uri="{D42A27DB-BD31-4B8C-83A1-F6EECF244321}">
+                <p14:modId xmlns:p14="http://schemas.microsoft.com/office/powerpoint/2010/main" val="3171682970"/>
+              </p:ext>
+            </p:extLst>
+          </p:nvPr>
+        </p:nvGraphicFramePr>
+        <p:xfrm>
+          <a:off x="673100" y="1070725"/>
+          <a:ext cx="11176000" cy="3881457"/>
+        </p:xfrm>
+        <a:graphic>
+          <a:graphicData uri="http://schemas.openxmlformats.org/drawingml/2006/table">
+            <a:tbl>
+              <a:tblPr firstRow="1" bandRow="1">
+                <a:tableStyleId>{5C22544A-7EE6-4342-B048-85BDC9FD1C3A}</a:tableStyleId>
+              </a:tblPr>
+              <a:tblGrid>
+                <a:gridCol w="2794000">
+                  <a:extLst>
+                    <a:ext uri="{9D8B030D-6E8A-4147-A177-3AD203B41FA5}">
+                      <a16:colId xmlns:a16="http://schemas.microsoft.com/office/drawing/2014/main" val="2681578775"/>
+                    </a:ext>
+                  </a:extLst>
+                </a:gridCol>
+                <a:gridCol w="2794000">
+                  <a:extLst>
+                    <a:ext uri="{9D8B030D-6E8A-4147-A177-3AD203B41FA5}">
+                      <a16:colId xmlns:a16="http://schemas.microsoft.com/office/drawing/2014/main" val="112399087"/>
+                    </a:ext>
+                  </a:extLst>
+                </a:gridCol>
+                <a:gridCol w="2794000">
+                  <a:extLst>
+                    <a:ext uri="{9D8B030D-6E8A-4147-A177-3AD203B41FA5}">
+                      <a16:colId xmlns:a16="http://schemas.microsoft.com/office/drawing/2014/main" val="2102075983"/>
+                    </a:ext>
+                  </a:extLst>
+                </a:gridCol>
+                <a:gridCol w="2794000">
+                  <a:extLst>
+                    <a:ext uri="{9D8B030D-6E8A-4147-A177-3AD203B41FA5}">
+                      <a16:colId xmlns:a16="http://schemas.microsoft.com/office/drawing/2014/main" val="2722917998"/>
+                    </a:ext>
+                  </a:extLst>
+                </a:gridCol>
+              </a:tblGrid>
+              <a:tr h="450767">
+                <a:tc gridSpan="2">
+                  <a:txBody>
+                    <a:bodyPr/>
+                    <a:lstStyle/>
+                    <a:p>
+                      <a:pPr algn="ctr"/>
+                      <a:r>
+                        <a:rPr lang="en-US" dirty="0"/>
+                        <a:t>Client</a:t>
+                      </a:r>
+                    </a:p>
+                  </a:txBody>
+                  <a:tcPr/>
+                </a:tc>
+                <a:tc hMerge="1">
+                  <a:txBody>
+                    <a:bodyPr/>
+                    <a:lstStyle/>
+                    <a:p>
+                      <a:endParaRPr lang="en-US" dirty="0"/>
+                    </a:p>
+                  </a:txBody>
+                  <a:tcPr/>
+                </a:tc>
+                <a:tc gridSpan="2">
+                  <a:txBody>
+                    <a:bodyPr/>
+                    <a:lstStyle/>
+                    <a:p>
+                      <a:pPr algn="ctr"/>
+                      <a:r>
+                        <a:rPr lang="en-US" dirty="0"/>
+                        <a:t>Server</a:t>
+                      </a:r>
+                    </a:p>
+                  </a:txBody>
+                  <a:tcPr/>
+                </a:tc>
+                <a:tc hMerge="1">
+                  <a:txBody>
+                    <a:bodyPr/>
+                    <a:lstStyle/>
+                    <a:p>
+                      <a:endParaRPr lang="en-US" dirty="0"/>
+                    </a:p>
+                  </a:txBody>
+                  <a:tcPr/>
+                </a:tc>
+                <a:extLst>
+                  <a:ext uri="{0D108BD9-81ED-4DB2-BD59-A6C34878D82A}">
+                    <a16:rowId xmlns:a16="http://schemas.microsoft.com/office/drawing/2014/main" val="2947949975"/>
+                  </a:ext>
+                </a:extLst>
+              </a:tr>
+              <a:tr h="450767">
+                <a:tc>
+                  <a:txBody>
+                    <a:bodyPr/>
+                    <a:lstStyle/>
+                    <a:p>
+                      <a:pPr algn="ctr"/>
+                      <a:r>
+                        <a:rPr lang="en-US" b="1" dirty="0" err="1"/>
+                        <a:t>Evento</a:t>
+                      </a:r>
+                      <a:endParaRPr lang="en-US" b="1" dirty="0"/>
+                    </a:p>
+                  </a:txBody>
+                  <a:tcPr/>
+                </a:tc>
+                <a:tc>
+                  <a:txBody>
+                    <a:bodyPr/>
+                    <a:lstStyle/>
+                    <a:p>
+                      <a:pPr algn="ctr"/>
+                      <a:r>
+                        <a:rPr lang="en-US" b="1" dirty="0"/>
+                        <a:t>Controller</a:t>
+                      </a:r>
+                    </a:p>
+                  </a:txBody>
+                  <a:tcPr/>
+                </a:tc>
+                <a:tc>
+                  <a:txBody>
+                    <a:bodyPr/>
+                    <a:lstStyle/>
+                    <a:p>
+                      <a:pPr algn="ctr"/>
+                      <a:r>
+                        <a:rPr lang="en-US" b="1" dirty="0" err="1"/>
+                        <a:t>Evento</a:t>
+                      </a:r>
+                      <a:endParaRPr lang="en-US" b="1" dirty="0"/>
+                    </a:p>
+                  </a:txBody>
+                  <a:tcPr/>
+                </a:tc>
+                <a:tc>
+                  <a:txBody>
+                    <a:bodyPr/>
+                    <a:lstStyle/>
+                    <a:p>
+                      <a:pPr algn="ctr"/>
+                      <a:r>
+                        <a:rPr lang="en-US" b="1" dirty="0"/>
+                        <a:t>Controller</a:t>
+                      </a:r>
+                    </a:p>
+                  </a:txBody>
+                  <a:tcPr/>
+                </a:tc>
+                <a:extLst>
+                  <a:ext uri="{0D108BD9-81ED-4DB2-BD59-A6C34878D82A}">
+                    <a16:rowId xmlns:a16="http://schemas.microsoft.com/office/drawing/2014/main" val="951657748"/>
+                  </a:ext>
+                </a:extLst>
+              </a:tr>
+              <a:tr h="450767">
+                <a:tc>
+                  <a:txBody>
+                    <a:bodyPr/>
+                    <a:lstStyle/>
+                    <a:p>
+                      <a:pPr marL="0" marR="0" lvl="0" indent="0" algn="l" defTabSz="914400" rtl="0" eaLnBrk="1" fontAlgn="auto" latinLnBrk="0" hangingPunct="1">
+                        <a:lnSpc>
+                          <a:spcPct val="100000"/>
+                        </a:lnSpc>
+                        <a:spcBef>
+                          <a:spcPts val="0"/>
+                        </a:spcBef>
+                        <a:spcAft>
+                          <a:spcPts val="0"/>
+                        </a:spcAft>
+                        <a:buClrTx/>
+                        <a:buSzTx/>
+                        <a:buFontTx/>
+                        <a:buNone/>
+                        <a:tabLst/>
+                        <a:defRPr/>
+                      </a:pPr>
+                      <a:r>
+                        <a:rPr lang="en-US" sz="1400" dirty="0"/>
+                        <a:t>home.html -&gt; Song Player -&gt; Close</a:t>
+                      </a:r>
+                    </a:p>
+                  </a:txBody>
+                  <a:tcPr/>
+                </a:tc>
+                <a:tc>
+                  <a:txBody>
+                    <a:bodyPr/>
+                    <a:lstStyle/>
+                    <a:p>
+                      <a:r>
+                        <a:rPr lang="en-US" sz="1400" dirty="0" err="1"/>
+                        <a:t>Funzione</a:t>
+                      </a:r>
+                      <a:r>
+                        <a:rPr lang="en-US" sz="1400" dirty="0"/>
+                        <a:t> </a:t>
+                      </a:r>
+                      <a:r>
+                        <a:rPr lang="en-US" sz="1400" dirty="0" err="1"/>
+                        <a:t>anonima</a:t>
+                      </a:r>
+                      <a:endParaRPr lang="en-US" sz="1400" dirty="0"/>
+                    </a:p>
+                  </a:txBody>
+                  <a:tcPr/>
+                </a:tc>
+                <a:tc>
+                  <a:txBody>
+                    <a:bodyPr/>
+                    <a:lstStyle/>
+                    <a:p>
+                      <a:r>
+                        <a:rPr lang="en-US" sz="1400" dirty="0"/>
+                        <a:t>-</a:t>
+                      </a:r>
+                    </a:p>
+                  </a:txBody>
+                  <a:tcPr/>
+                </a:tc>
+                <a:tc>
+                  <a:txBody>
+                    <a:bodyPr/>
+                    <a:lstStyle/>
+                    <a:p>
+                      <a:r>
+                        <a:rPr lang="en-US" sz="1400" dirty="0"/>
+                        <a:t>-</a:t>
+                      </a:r>
+                    </a:p>
+                  </a:txBody>
+                  <a:tcPr/>
+                </a:tc>
+                <a:extLst>
+                  <a:ext uri="{0D108BD9-81ED-4DB2-BD59-A6C34878D82A}">
+                    <a16:rowId xmlns:a16="http://schemas.microsoft.com/office/drawing/2014/main" val="4282396465"/>
+                  </a:ext>
+                </a:extLst>
+              </a:tr>
+              <a:tr h="450767">
+                <a:tc>
+                  <a:txBody>
+                    <a:bodyPr/>
+                    <a:lstStyle/>
+                    <a:p>
+                      <a:pPr marL="0" marR="0" lvl="0" indent="0" algn="l" defTabSz="914400" rtl="0" eaLnBrk="1" fontAlgn="auto" latinLnBrk="0" hangingPunct="1">
+                        <a:lnSpc>
+                          <a:spcPct val="100000"/>
+                        </a:lnSpc>
+                        <a:spcBef>
+                          <a:spcPts val="0"/>
+                        </a:spcBef>
+                        <a:spcAft>
+                          <a:spcPts val="0"/>
+                        </a:spcAft>
+                        <a:buClrTx/>
+                        <a:buSzTx/>
+                        <a:buFontTx/>
+                        <a:buNone/>
+                        <a:tabLst/>
+                        <a:defRPr/>
+                      </a:pPr>
+                      <a:r>
+                        <a:rPr lang="en-US" sz="1400" dirty="0"/>
+                        <a:t>home.html -&gt; Songs -&gt; Add To Playlist</a:t>
+                      </a:r>
+                      <a:endParaRPr lang="en-US" sz="1400" u="sng" dirty="0"/>
+                    </a:p>
+                  </a:txBody>
+                  <a:tcPr/>
+                </a:tc>
+                <a:tc>
+                  <a:txBody>
+                    <a:bodyPr/>
+                    <a:lstStyle/>
+                    <a:p>
+                      <a:r>
+                        <a:rPr lang="en-US" sz="1400" dirty="0" err="1"/>
+                        <a:t>makeCall</a:t>
+                      </a:r>
+                      <a:endParaRPr lang="en-US" sz="1400" dirty="0"/>
+                    </a:p>
+                  </a:txBody>
+                  <a:tcPr/>
+                </a:tc>
+                <a:tc>
+                  <a:txBody>
+                    <a:bodyPr/>
+                    <a:lstStyle/>
+                    <a:p>
+                      <a:r>
+                        <a:rPr lang="en-US" sz="1400" dirty="0"/>
+                        <a:t>GET </a:t>
+                      </a:r>
+                      <a:r>
+                        <a:rPr lang="en-US" sz="1400" dirty="0" err="1"/>
+                        <a:t>songId</a:t>
+                      </a:r>
+                      <a:r>
+                        <a:rPr lang="en-US" sz="1400" dirty="0"/>
+                        <a:t>, </a:t>
+                      </a:r>
+                      <a:r>
+                        <a:rPr lang="en-US" sz="1400" dirty="0" err="1"/>
+                        <a:t>playlistId</a:t>
+                      </a:r>
+                      <a:endParaRPr lang="en-US" sz="1400" dirty="0"/>
+                    </a:p>
+                  </a:txBody>
+                  <a:tcPr/>
+                </a:tc>
+                <a:tc>
+                  <a:txBody>
+                    <a:bodyPr/>
+                    <a:lstStyle/>
+                    <a:p>
+                      <a:r>
+                        <a:rPr lang="en-US" sz="1400" dirty="0" err="1"/>
+                        <a:t>AddSongToPlaylist</a:t>
+                      </a:r>
+                      <a:endParaRPr lang="en-US" sz="1400" dirty="0"/>
+                    </a:p>
+                  </a:txBody>
+                  <a:tcPr/>
+                </a:tc>
+                <a:extLst>
+                  <a:ext uri="{0D108BD9-81ED-4DB2-BD59-A6C34878D82A}">
+                    <a16:rowId xmlns:a16="http://schemas.microsoft.com/office/drawing/2014/main" val="309085157"/>
+                  </a:ext>
+                </a:extLst>
+              </a:tr>
+              <a:tr h="523909">
+                <a:tc>
+                  <a:txBody>
+                    <a:bodyPr/>
+                    <a:lstStyle/>
+                    <a:p>
+                      <a:pPr marL="0" marR="0" lvl="0" indent="0" algn="l" defTabSz="914400" rtl="0" eaLnBrk="1" fontAlgn="auto" latinLnBrk="0" hangingPunct="1">
+                        <a:lnSpc>
+                          <a:spcPct val="100000"/>
+                        </a:lnSpc>
+                        <a:spcBef>
+                          <a:spcPts val="0"/>
+                        </a:spcBef>
+                        <a:spcAft>
+                          <a:spcPts val="0"/>
+                        </a:spcAft>
+                        <a:buClrTx/>
+                        <a:buSzTx/>
+                        <a:buFontTx/>
+                        <a:buNone/>
+                        <a:tabLst/>
+                        <a:defRPr/>
+                      </a:pPr>
+                      <a:r>
+                        <a:rPr lang="en-US" sz="1400" dirty="0"/>
+                        <a:t>home.html -&gt; Current Playlist -&gt; Sort Songs</a:t>
+                      </a:r>
+                    </a:p>
+                  </a:txBody>
+                  <a:tcPr/>
+                </a:tc>
+                <a:tc>
+                  <a:txBody>
+                    <a:bodyPr/>
+                    <a:lstStyle/>
+                    <a:p>
+                      <a:r>
+                        <a:rPr lang="en-US" sz="1400" dirty="0" err="1"/>
+                        <a:t>Funzione</a:t>
+                      </a:r>
+                      <a:r>
+                        <a:rPr lang="en-US" sz="1400" dirty="0"/>
+                        <a:t> </a:t>
+                      </a:r>
+                      <a:r>
+                        <a:rPr lang="en-US" sz="1400" dirty="0" err="1"/>
+                        <a:t>anonima</a:t>
+                      </a:r>
+                      <a:endParaRPr lang="en-US" sz="1400" dirty="0"/>
+                    </a:p>
+                  </a:txBody>
+                  <a:tcPr/>
+                </a:tc>
+                <a:tc>
+                  <a:txBody>
+                    <a:bodyPr/>
+                    <a:lstStyle/>
+                    <a:p>
+                      <a:endParaRPr lang="en-US" sz="1400" dirty="0"/>
+                    </a:p>
+                  </a:txBody>
+                  <a:tcPr/>
+                </a:tc>
+                <a:tc>
+                  <a:txBody>
+                    <a:bodyPr/>
+                    <a:lstStyle/>
+                    <a:p>
+                      <a:endParaRPr lang="en-US" sz="1400" dirty="0"/>
+                    </a:p>
+                  </a:txBody>
+                  <a:tcPr/>
+                </a:tc>
+                <a:extLst>
+                  <a:ext uri="{0D108BD9-81ED-4DB2-BD59-A6C34878D82A}">
+                    <a16:rowId xmlns:a16="http://schemas.microsoft.com/office/drawing/2014/main" val="841938688"/>
+                  </a:ext>
+                </a:extLst>
+              </a:tr>
+              <a:tr h="450767">
+                <a:tc>
+                  <a:txBody>
+                    <a:bodyPr/>
+                    <a:lstStyle/>
+                    <a:p>
+                      <a:pPr marL="0" marR="0" lvl="0" indent="0" algn="l" defTabSz="914400" rtl="0" eaLnBrk="1" fontAlgn="auto" latinLnBrk="0" hangingPunct="1">
+                        <a:lnSpc>
+                          <a:spcPct val="100000"/>
+                        </a:lnSpc>
+                        <a:spcBef>
+                          <a:spcPts val="0"/>
+                        </a:spcBef>
+                        <a:spcAft>
+                          <a:spcPts val="0"/>
+                        </a:spcAft>
+                        <a:buClrTx/>
+                        <a:buSzTx/>
+                        <a:buFontTx/>
+                        <a:buNone/>
+                        <a:tabLst/>
+                        <a:defRPr/>
+                      </a:pPr>
+                      <a:r>
+                        <a:rPr lang="en-US" sz="1400" dirty="0"/>
+                        <a:t>home.html -&gt; Sort Playlist-&gt; Close</a:t>
+                      </a:r>
+                    </a:p>
+                  </a:txBody>
+                  <a:tcPr/>
+                </a:tc>
+                <a:tc>
+                  <a:txBody>
+                    <a:bodyPr/>
+                    <a:lstStyle/>
+                    <a:p>
+                      <a:r>
+                        <a:rPr lang="en-US" sz="1400" dirty="0" err="1"/>
+                        <a:t>Funzione</a:t>
+                      </a:r>
+                      <a:r>
+                        <a:rPr lang="en-US" sz="1400" dirty="0"/>
+                        <a:t> </a:t>
+                      </a:r>
+                      <a:r>
+                        <a:rPr lang="en-US" sz="1400" dirty="0" err="1"/>
+                        <a:t>anonima</a:t>
+                      </a:r>
+                      <a:endParaRPr lang="en-US" sz="1400" dirty="0"/>
+                    </a:p>
+                  </a:txBody>
+                  <a:tcPr/>
+                </a:tc>
+                <a:tc>
+                  <a:txBody>
+                    <a:bodyPr/>
+                    <a:lstStyle/>
+                    <a:p>
+                      <a:endParaRPr lang="en-US" sz="1400" dirty="0"/>
+                    </a:p>
+                  </a:txBody>
+                  <a:tcPr/>
+                </a:tc>
+                <a:tc>
+                  <a:txBody>
+                    <a:bodyPr/>
+                    <a:lstStyle/>
+                    <a:p>
+                      <a:endParaRPr lang="en-US" sz="1400" dirty="0"/>
+                    </a:p>
+                  </a:txBody>
+                  <a:tcPr/>
+                </a:tc>
+                <a:extLst>
+                  <a:ext uri="{0D108BD9-81ED-4DB2-BD59-A6C34878D82A}">
+                    <a16:rowId xmlns:a16="http://schemas.microsoft.com/office/drawing/2014/main" val="633869350"/>
+                  </a:ext>
+                </a:extLst>
+              </a:tr>
+              <a:tr h="450767">
+                <a:tc>
+                  <a:txBody>
+                    <a:bodyPr/>
+                    <a:lstStyle/>
+                    <a:p>
+                      <a:pPr marL="0" marR="0" lvl="0" indent="0" algn="l" defTabSz="914400" rtl="0" eaLnBrk="1" fontAlgn="auto" latinLnBrk="0" hangingPunct="1">
+                        <a:lnSpc>
+                          <a:spcPct val="100000"/>
+                        </a:lnSpc>
+                        <a:spcBef>
+                          <a:spcPts val="0"/>
+                        </a:spcBef>
+                        <a:spcAft>
+                          <a:spcPts val="0"/>
+                        </a:spcAft>
+                        <a:buClrTx/>
+                        <a:buSzTx/>
+                        <a:buFontTx/>
+                        <a:buNone/>
+                        <a:tabLst/>
+                        <a:defRPr/>
+                      </a:pPr>
+                      <a:r>
+                        <a:rPr lang="en-US" sz="1400" dirty="0"/>
+                        <a:t>home.html -&gt; Sort Playlist-&gt; Save Sorting</a:t>
+                      </a:r>
+                    </a:p>
+                  </a:txBody>
+                  <a:tcPr/>
+                </a:tc>
+                <a:tc>
+                  <a:txBody>
+                    <a:bodyPr/>
+                    <a:lstStyle/>
+                    <a:p>
+                      <a:r>
+                        <a:rPr lang="en-US" sz="1400" dirty="0" err="1"/>
+                        <a:t>makeCall</a:t>
+                      </a:r>
+                      <a:endParaRPr lang="en-US" sz="1400" dirty="0"/>
+                    </a:p>
+                  </a:txBody>
+                  <a:tcPr/>
+                </a:tc>
+                <a:tc>
+                  <a:txBody>
+                    <a:bodyPr/>
+                    <a:lstStyle/>
+                    <a:p>
+                      <a:r>
+                        <a:rPr lang="en-US" sz="1400" dirty="0"/>
+                        <a:t>GET </a:t>
+                      </a:r>
+                      <a:r>
+                        <a:rPr lang="en-US" sz="1400" dirty="0" err="1"/>
+                        <a:t>songId</a:t>
+                      </a:r>
+                      <a:r>
+                        <a:rPr lang="en-US" sz="1400" dirty="0"/>
+                        <a:t>, </a:t>
+                      </a:r>
+                      <a:r>
+                        <a:rPr lang="en-US" sz="1400" dirty="0" err="1"/>
+                        <a:t>playlistId</a:t>
+                      </a:r>
+                      <a:r>
+                        <a:rPr lang="en-US" sz="1400" dirty="0"/>
+                        <a:t>, sort</a:t>
+                      </a:r>
+                    </a:p>
+                  </a:txBody>
+                  <a:tcPr/>
+                </a:tc>
+                <a:tc>
+                  <a:txBody>
+                    <a:bodyPr/>
+                    <a:lstStyle/>
+                    <a:p>
+                      <a:r>
+                        <a:rPr lang="en-US" sz="1400" dirty="0" err="1"/>
+                        <a:t>SetSongSort</a:t>
+                      </a:r>
+                      <a:endParaRPr lang="en-US" sz="1400" dirty="0"/>
+                    </a:p>
+                  </a:txBody>
+                  <a:tcPr/>
+                </a:tc>
+                <a:extLst>
+                  <a:ext uri="{0D108BD9-81ED-4DB2-BD59-A6C34878D82A}">
+                    <a16:rowId xmlns:a16="http://schemas.microsoft.com/office/drawing/2014/main" val="317644754"/>
+                  </a:ext>
+                </a:extLst>
+              </a:tr>
+              <a:tr h="450767">
+                <a:tc>
+                  <a:txBody>
+                    <a:bodyPr/>
+                    <a:lstStyle/>
+                    <a:p>
+                      <a:pPr marL="0" marR="0" lvl="0" indent="0" algn="l" defTabSz="914400" rtl="0" eaLnBrk="1" fontAlgn="auto" latinLnBrk="0" hangingPunct="1">
+                        <a:lnSpc>
+                          <a:spcPct val="100000"/>
+                        </a:lnSpc>
+                        <a:spcBef>
+                          <a:spcPts val="0"/>
+                        </a:spcBef>
+                        <a:spcAft>
+                          <a:spcPts val="0"/>
+                        </a:spcAft>
+                        <a:buClrTx/>
+                        <a:buSzTx/>
+                        <a:buFontTx/>
+                        <a:buNone/>
+                        <a:tabLst/>
+                        <a:defRPr/>
+                      </a:pPr>
+                      <a:r>
+                        <a:rPr lang="en-US" sz="1400" dirty="0"/>
+                        <a:t>home.html -&gt; load</a:t>
+                      </a:r>
+                    </a:p>
+                  </a:txBody>
+                  <a:tcPr/>
+                </a:tc>
+                <a:tc>
+                  <a:txBody>
+                    <a:bodyPr/>
+                    <a:lstStyle/>
+                    <a:p>
+                      <a:r>
+                        <a:rPr lang="en-US" sz="1400" dirty="0" err="1"/>
+                        <a:t>PageOrchestrator.start</a:t>
+                      </a:r>
+                      <a:r>
+                        <a:rPr lang="en-US" sz="1400" dirty="0"/>
+                        <a:t>()</a:t>
+                      </a:r>
+                    </a:p>
+                  </a:txBody>
+                  <a:tcPr/>
+                </a:tc>
+                <a:tc>
+                  <a:txBody>
+                    <a:bodyPr/>
+                    <a:lstStyle/>
+                    <a:p>
+                      <a:r>
+                        <a:rPr lang="en-US" sz="1400" dirty="0"/>
+                        <a:t>GET</a:t>
+                      </a:r>
+                    </a:p>
+                  </a:txBody>
+                  <a:tcPr/>
+                </a:tc>
+                <a:tc>
+                  <a:txBody>
+                    <a:bodyPr/>
+                    <a:lstStyle/>
+                    <a:p>
+                      <a:r>
+                        <a:rPr lang="en-US" sz="1400" dirty="0" err="1"/>
+                        <a:t>Controllo</a:t>
+                      </a:r>
+                      <a:r>
+                        <a:rPr lang="en-US" sz="1400" dirty="0"/>
+                        <a:t> </a:t>
+                      </a:r>
+                      <a:r>
+                        <a:rPr lang="en-US" sz="1400" dirty="0" err="1"/>
+                        <a:t>Dati</a:t>
+                      </a:r>
+                      <a:endParaRPr lang="en-US" sz="1400" dirty="0"/>
+                    </a:p>
+                    <a:p>
+                      <a:r>
+                        <a:rPr lang="en-US" sz="1400" dirty="0" err="1"/>
+                        <a:t>Estrai</a:t>
+                      </a:r>
+                      <a:r>
+                        <a:rPr lang="en-US" sz="1400" dirty="0"/>
+                        <a:t> playlists </a:t>
+                      </a:r>
+                      <a:r>
+                        <a:rPr lang="en-US" sz="1400" dirty="0" err="1"/>
+                        <a:t>utente</a:t>
+                      </a:r>
+                      <a:endParaRPr lang="en-US" sz="1400" dirty="0"/>
+                    </a:p>
+                  </a:txBody>
+                  <a:tcPr/>
+                </a:tc>
+                <a:extLst>
+                  <a:ext uri="{0D108BD9-81ED-4DB2-BD59-A6C34878D82A}">
+                    <a16:rowId xmlns:a16="http://schemas.microsoft.com/office/drawing/2014/main" val="379025737"/>
+                  </a:ext>
+                </a:extLst>
+              </a:tr>
+            </a:tbl>
+          </a:graphicData>
+        </a:graphic>
+      </p:graphicFrame>
+    </p:spTree>
+    <p:extLst>
+      <p:ext uri="{BB962C8B-B14F-4D97-AF65-F5344CB8AC3E}">
+        <p14:creationId xmlns:p14="http://schemas.microsoft.com/office/powerpoint/2010/main" val="950521819"/>
+      </p:ext>
+    </p:extLst>
+  </p:cSld>
+  <p:clrMapOvr>
+    <a:masterClrMapping/>
+  </p:clrMapOvr>
+</p:sld>
+</file>
+
+<file path=ppt/slides/slide14.xml><?xml version="1.0" encoding="utf-8"?>
+<p:sld xmlns:a="http://schemas.openxmlformats.org/drawingml/2006/main" xmlns:r="http://schemas.openxmlformats.org/officeDocument/2006/relationships" xmlns:p="http://schemas.openxmlformats.org/presentationml/2006/main">
+  <p:cSld>
+    <p:spTree>
+      <p:nvGrpSpPr>
+        <p:cNvPr id="1" name=""/>
+        <p:cNvGrpSpPr/>
+        <p:nvPr/>
+      </p:nvGrpSpPr>
+      <p:grpSpPr>
+        <a:xfrm>
+          <a:off x="0" y="0"/>
+          <a:ext cx="0" cy="0"/>
+          <a:chOff x="0" y="0"/>
+          <a:chExt cx="0" cy="0"/>
+        </a:xfrm>
+      </p:grpSpPr>
+      <p:sp>
+        <p:nvSpPr>
+          <p:cNvPr id="2" name="Titolo 1">
+            <a:extLst>
+              <a:ext uri="{FF2B5EF4-FFF2-40B4-BE49-F238E27FC236}">
+                <a16:creationId xmlns:a16="http://schemas.microsoft.com/office/drawing/2014/main" id="{EAC63F77-F126-4D2E-9E71-F3C7B1840EB4}"/>
+              </a:ext>
+            </a:extLst>
+          </p:cNvPr>
+          <p:cNvSpPr>
+            <a:spLocks noGrp="1"/>
+          </p:cNvSpPr>
+          <p:nvPr>
+            <p:ph type="title"/>
+          </p:nvPr>
+        </p:nvSpPr>
+        <p:spPr>
+          <a:xfrm>
+            <a:off x="838200" y="256069"/>
+            <a:ext cx="10515600" cy="574442"/>
+          </a:xfrm>
+        </p:spPr>
+        <p:txBody>
+          <a:bodyPr>
+            <a:normAutofit fontScale="90000"/>
+          </a:bodyPr>
+          <a:lstStyle/>
+          <a:p>
+            <a:r>
+              <a:rPr lang="en-US" dirty="0"/>
+              <a:t>Sequence diagram: </a:t>
+            </a:r>
+            <a:r>
+              <a:rPr lang="en-US" dirty="0" err="1"/>
+              <a:t>caricamento</a:t>
+            </a:r>
+            <a:r>
+              <a:rPr lang="en-US" dirty="0"/>
+              <a:t> </a:t>
+            </a:r>
+            <a:r>
+              <a:rPr lang="en-US" dirty="0" err="1"/>
+              <a:t>pagina</a:t>
+            </a:r>
+            <a:endParaRPr lang="en-US" dirty="0"/>
+          </a:p>
+        </p:txBody>
+      </p:sp>
+      <p:pic>
+        <p:nvPicPr>
+          <p:cNvPr id="5" name="Immagine 4">
+            <a:extLst>
+              <a:ext uri="{FF2B5EF4-FFF2-40B4-BE49-F238E27FC236}">
+                <a16:creationId xmlns:a16="http://schemas.microsoft.com/office/drawing/2014/main" id="{55D7E242-586F-440B-A055-B44243669DB1}"/>
+              </a:ext>
+            </a:extLst>
+          </p:cNvPr>
+          <p:cNvPicPr>
+            <a:picLocks noChangeAspect="1"/>
+          </p:cNvPicPr>
+          <p:nvPr/>
+        </p:nvPicPr>
+        <p:blipFill>
+          <a:blip r:embed="rId2">
+            <a:extLst>
+              <a:ext uri="{28A0092B-C50C-407E-A947-70E740481C1C}">
+                <a14:useLocalDpi xmlns:a14="http://schemas.microsoft.com/office/drawing/2010/main" val="0"/>
+              </a:ext>
+            </a:extLst>
+          </a:blip>
+          <a:srcRect/>
+          <a:stretch/>
+        </p:blipFill>
+        <p:spPr>
+          <a:xfrm>
+            <a:off x="969818" y="1306872"/>
+            <a:ext cx="10232616" cy="4567455"/>
+          </a:xfrm>
+          <a:prstGeom prst="rect">
+            <a:avLst/>
+          </a:prstGeom>
+        </p:spPr>
+      </p:pic>
+      <p:cxnSp>
+        <p:nvCxnSpPr>
+          <p:cNvPr id="7" name="Connettore 2 6">
+            <a:extLst>
+              <a:ext uri="{FF2B5EF4-FFF2-40B4-BE49-F238E27FC236}">
+                <a16:creationId xmlns:a16="http://schemas.microsoft.com/office/drawing/2014/main" id="{C70AFDF8-09D4-4290-AAF5-AFC1B9942137}"/>
+              </a:ext>
+            </a:extLst>
+          </p:cNvPr>
+          <p:cNvCxnSpPr/>
+          <p:nvPr/>
+        </p:nvCxnSpPr>
+        <p:spPr>
+          <a:xfrm>
+            <a:off x="267855" y="3057236"/>
+            <a:ext cx="1246909" cy="0"/>
+          </a:xfrm>
+          <a:prstGeom prst="straightConnector1">
+            <a:avLst/>
+          </a:prstGeom>
+          <a:ln>
+            <a:tailEnd type="triangle"/>
+          </a:ln>
+        </p:spPr>
+        <p:style>
+          <a:lnRef idx="1">
+            <a:schemeClr val="dk1"/>
+          </a:lnRef>
+          <a:fillRef idx="0">
+            <a:schemeClr val="dk1"/>
+          </a:fillRef>
+          <a:effectRef idx="0">
+            <a:schemeClr val="dk1"/>
+          </a:effectRef>
+          <a:fontRef idx="minor">
+            <a:schemeClr val="tx1"/>
+          </a:fontRef>
+        </p:style>
+      </p:cxnSp>
+      <p:sp>
+        <p:nvSpPr>
+          <p:cNvPr id="8" name="CasellaDiTesto 7">
+            <a:extLst>
+              <a:ext uri="{FF2B5EF4-FFF2-40B4-BE49-F238E27FC236}">
+                <a16:creationId xmlns:a16="http://schemas.microsoft.com/office/drawing/2014/main" id="{6146A160-9D7D-4BD3-B003-1ED0CD6A5A48}"/>
+              </a:ext>
+            </a:extLst>
+          </p:cNvPr>
+          <p:cNvSpPr txBox="1"/>
+          <p:nvPr/>
+        </p:nvSpPr>
+        <p:spPr>
+          <a:xfrm>
+            <a:off x="346363" y="2774627"/>
+            <a:ext cx="1246909" cy="307777"/>
+          </a:xfrm>
+          <a:prstGeom prst="rect">
+            <a:avLst/>
+          </a:prstGeom>
+          <a:noFill/>
+        </p:spPr>
+        <p:txBody>
+          <a:bodyPr wrap="square" rtlCol="0">
+            <a:spAutoFit/>
+          </a:bodyPr>
+          <a:lstStyle/>
+          <a:p>
+            <a:r>
+              <a:rPr lang="en-US" sz="1400" dirty="0"/>
+              <a:t>load event</a:t>
+            </a:r>
+          </a:p>
+        </p:txBody>
+      </p:sp>
+    </p:spTree>
+    <p:extLst>
+      <p:ext uri="{BB962C8B-B14F-4D97-AF65-F5344CB8AC3E}">
+        <p14:creationId xmlns:p14="http://schemas.microsoft.com/office/powerpoint/2010/main" val="3002131992"/>
+      </p:ext>
+    </p:extLst>
+  </p:cSld>
+  <p:clrMapOvr>
+    <a:masterClrMapping/>
+  </p:clrMapOvr>
+</p:sld>
+</file>
+
+<file path=ppt/slides/slide15.xml><?xml version="1.0" encoding="utf-8"?>
+<p:sld xmlns:a="http://schemas.openxmlformats.org/drawingml/2006/main" xmlns:r="http://schemas.openxmlformats.org/officeDocument/2006/relationships" xmlns:p="http://schemas.openxmlformats.org/presentationml/2006/main">
+  <p:cSld>
+    <p:spTree>
+      <p:nvGrpSpPr>
+        <p:cNvPr id="1" name=""/>
+        <p:cNvGrpSpPr/>
+        <p:nvPr/>
+      </p:nvGrpSpPr>
+      <p:grpSpPr>
+        <a:xfrm>
+          <a:off x="0" y="0"/>
+          <a:ext cx="0" cy="0"/>
+          <a:chOff x="0" y="0"/>
+          <a:chExt cx="0" cy="0"/>
+        </a:xfrm>
+      </p:grpSpPr>
+      <p:sp>
+        <p:nvSpPr>
+          <p:cNvPr id="8" name="Titolo 1">
+            <a:extLst>
+              <a:ext uri="{FF2B5EF4-FFF2-40B4-BE49-F238E27FC236}">
+                <a16:creationId xmlns:a16="http://schemas.microsoft.com/office/drawing/2014/main" id="{A5F0FF3D-F00A-48BD-90D5-2BED6BAB9D81}"/>
+              </a:ext>
+            </a:extLst>
+          </p:cNvPr>
+          <p:cNvSpPr>
+            <a:spLocks noGrp="1"/>
+          </p:cNvSpPr>
+          <p:nvPr>
+            <p:ph type="title"/>
+          </p:nvPr>
+        </p:nvSpPr>
+        <p:spPr>
+          <a:xfrm>
+            <a:off x="838200" y="256069"/>
+            <a:ext cx="10515600" cy="574442"/>
+          </a:xfrm>
+        </p:spPr>
+        <p:txBody>
+          <a:bodyPr>
+            <a:normAutofit fontScale="90000"/>
+          </a:bodyPr>
+          <a:lstStyle/>
+          <a:p>
+            <a:r>
+              <a:rPr lang="en-US" dirty="0"/>
+              <a:t>Sequence diagram: </a:t>
+            </a:r>
+            <a:r>
+              <a:rPr lang="en-US" dirty="0" err="1"/>
+              <a:t>visualizza</a:t>
+            </a:r>
+            <a:r>
+              <a:rPr lang="en-US" dirty="0"/>
+              <a:t> una playlist</a:t>
+            </a:r>
+          </a:p>
+        </p:txBody>
+      </p:sp>
+      <p:pic>
+        <p:nvPicPr>
+          <p:cNvPr id="10" name="Immagine 9">
+            <a:extLst>
+              <a:ext uri="{FF2B5EF4-FFF2-40B4-BE49-F238E27FC236}">
+                <a16:creationId xmlns:a16="http://schemas.microsoft.com/office/drawing/2014/main" id="{628F515F-5A23-47EC-92AE-64C0535CF49A}"/>
+              </a:ext>
+            </a:extLst>
+          </p:cNvPr>
+          <p:cNvPicPr>
+            <a:picLocks noChangeAspect="1"/>
+          </p:cNvPicPr>
+          <p:nvPr/>
+        </p:nvPicPr>
+        <p:blipFill>
+          <a:blip r:embed="rId2">
+            <a:extLst>
+              <a:ext uri="{28A0092B-C50C-407E-A947-70E740481C1C}">
+                <a14:useLocalDpi xmlns:a14="http://schemas.microsoft.com/office/drawing/2010/main" val="0"/>
+              </a:ext>
+            </a:extLst>
+          </a:blip>
+          <a:stretch>
+            <a:fillRect/>
+          </a:stretch>
+        </p:blipFill>
+        <p:spPr>
+          <a:xfrm>
+            <a:off x="471054" y="972559"/>
+            <a:ext cx="10761230" cy="5321595"/>
+          </a:xfrm>
+          <a:prstGeom prst="rect">
+            <a:avLst/>
+          </a:prstGeom>
+        </p:spPr>
+      </p:pic>
+    </p:spTree>
+    <p:extLst>
+      <p:ext uri="{BB962C8B-B14F-4D97-AF65-F5344CB8AC3E}">
+        <p14:creationId xmlns:p14="http://schemas.microsoft.com/office/powerpoint/2010/main" val="1306663480"/>
+      </p:ext>
+    </p:extLst>
+  </p:cSld>
+  <p:clrMapOvr>
+    <a:masterClrMapping/>
+  </p:clrMapOvr>
+</p:sld>
+</file>
+
+<file path=ppt/slides/slide16.xml><?xml version="1.0" encoding="utf-8"?>
+<p:sld xmlns:a="http://schemas.openxmlformats.org/drawingml/2006/main" xmlns:r="http://schemas.openxmlformats.org/officeDocument/2006/relationships" xmlns:p="http://schemas.openxmlformats.org/presentationml/2006/main">
+  <p:cSld>
+    <p:spTree>
+      <p:nvGrpSpPr>
+        <p:cNvPr id="1" name=""/>
+        <p:cNvGrpSpPr/>
+        <p:nvPr/>
+      </p:nvGrpSpPr>
+      <p:grpSpPr>
+        <a:xfrm>
+          <a:off x="0" y="0"/>
+          <a:ext cx="0" cy="0"/>
+          <a:chOff x="0" y="0"/>
+          <a:chExt cx="0" cy="0"/>
+        </a:xfrm>
+      </p:grpSpPr>
+      <p:sp>
+        <p:nvSpPr>
+          <p:cNvPr id="4" name="Titolo 1">
+            <a:extLst>
+              <a:ext uri="{FF2B5EF4-FFF2-40B4-BE49-F238E27FC236}">
+                <a16:creationId xmlns:a16="http://schemas.microsoft.com/office/drawing/2014/main" id="{D7523AE2-74D8-4864-8F47-4102781325ED}"/>
+              </a:ext>
+            </a:extLst>
+          </p:cNvPr>
+          <p:cNvSpPr>
+            <a:spLocks noGrp="1"/>
+          </p:cNvSpPr>
+          <p:nvPr>
+            <p:ph type="title"/>
+          </p:nvPr>
+        </p:nvSpPr>
+        <p:spPr>
+          <a:xfrm>
+            <a:off x="838200" y="256069"/>
+            <a:ext cx="10515600" cy="574442"/>
+          </a:xfrm>
+        </p:spPr>
+        <p:txBody>
+          <a:bodyPr>
+            <a:normAutofit fontScale="90000"/>
+          </a:bodyPr>
+          <a:lstStyle/>
+          <a:p>
+            <a:r>
+              <a:rPr lang="en-US" dirty="0"/>
+              <a:t>Sequence diagram: </a:t>
+            </a:r>
+            <a:r>
+              <a:rPr lang="en-US" dirty="0" err="1"/>
+              <a:t>crea</a:t>
+            </a:r>
+            <a:r>
+              <a:rPr lang="en-US" dirty="0"/>
+              <a:t> una playlist</a:t>
+            </a:r>
+          </a:p>
+        </p:txBody>
+      </p:sp>
+      <p:pic>
+        <p:nvPicPr>
+          <p:cNvPr id="8" name="Immagine 7">
+            <a:extLst>
+              <a:ext uri="{FF2B5EF4-FFF2-40B4-BE49-F238E27FC236}">
+                <a16:creationId xmlns:a16="http://schemas.microsoft.com/office/drawing/2014/main" id="{17C1918E-11E6-4853-B20A-B88B909156F2}"/>
+              </a:ext>
+            </a:extLst>
+          </p:cNvPr>
+          <p:cNvPicPr>
+            <a:picLocks noChangeAspect="1"/>
+          </p:cNvPicPr>
+          <p:nvPr/>
+        </p:nvPicPr>
+        <p:blipFill>
+          <a:blip r:embed="rId2">
+            <a:extLst>
+              <a:ext uri="{28A0092B-C50C-407E-A947-70E740481C1C}">
+                <a14:useLocalDpi xmlns:a14="http://schemas.microsoft.com/office/drawing/2010/main" val="0"/>
+              </a:ext>
+            </a:extLst>
+          </a:blip>
+          <a:srcRect/>
+          <a:stretch/>
+        </p:blipFill>
+        <p:spPr>
+          <a:xfrm>
+            <a:off x="1558251" y="1023070"/>
+            <a:ext cx="8333894" cy="5509211"/>
+          </a:xfrm>
+          <a:prstGeom prst="rect">
+            <a:avLst/>
+          </a:prstGeom>
+        </p:spPr>
+      </p:pic>
+    </p:spTree>
+    <p:extLst>
+      <p:ext uri="{BB962C8B-B14F-4D97-AF65-F5344CB8AC3E}">
+        <p14:creationId xmlns:p14="http://schemas.microsoft.com/office/powerpoint/2010/main" val="3572774813"/>
+      </p:ext>
+    </p:extLst>
+  </p:cSld>
+  <p:clrMapOvr>
+    <a:masterClrMapping/>
+  </p:clrMapOvr>
+</p:sld>
+</file>
+
+<file path=ppt/slides/slide17.xml><?xml version="1.0" encoding="utf-8"?>
+<p:sld xmlns:a="http://schemas.openxmlformats.org/drawingml/2006/main" xmlns:r="http://schemas.openxmlformats.org/officeDocument/2006/relationships" xmlns:p="http://schemas.openxmlformats.org/presentationml/2006/main">
+  <p:cSld>
+    <p:spTree>
+      <p:nvGrpSpPr>
+        <p:cNvPr id="1" name=""/>
+        <p:cNvGrpSpPr/>
+        <p:nvPr/>
+      </p:nvGrpSpPr>
+      <p:grpSpPr>
+        <a:xfrm>
+          <a:off x="0" y="0"/>
+          <a:ext cx="0" cy="0"/>
+          <a:chOff x="0" y="0"/>
+          <a:chExt cx="0" cy="0"/>
+        </a:xfrm>
+      </p:grpSpPr>
+      <p:sp>
+        <p:nvSpPr>
+          <p:cNvPr id="4" name="Titolo 1">
+            <a:extLst>
+              <a:ext uri="{FF2B5EF4-FFF2-40B4-BE49-F238E27FC236}">
+                <a16:creationId xmlns:a16="http://schemas.microsoft.com/office/drawing/2014/main" id="{274C4EF2-2BF7-4A1A-9C37-1A365E353BDB}"/>
+              </a:ext>
+            </a:extLst>
+          </p:cNvPr>
+          <p:cNvSpPr>
+            <a:spLocks noGrp="1"/>
+          </p:cNvSpPr>
+          <p:nvPr>
+            <p:ph type="title"/>
+          </p:nvPr>
+        </p:nvSpPr>
+        <p:spPr>
+          <a:xfrm>
+            <a:off x="838200" y="256069"/>
+            <a:ext cx="10515600" cy="574442"/>
+          </a:xfrm>
+        </p:spPr>
+        <p:txBody>
+          <a:bodyPr>
+            <a:normAutofit fontScale="90000"/>
+          </a:bodyPr>
+          <a:lstStyle/>
+          <a:p>
+            <a:r>
+              <a:rPr lang="en-US" dirty="0"/>
+              <a:t>Sequence diagram: </a:t>
+            </a:r>
+            <a:r>
+              <a:rPr lang="en-US" dirty="0" err="1"/>
+              <a:t>mostra</a:t>
+            </a:r>
+            <a:r>
+              <a:rPr lang="en-US" dirty="0"/>
+              <a:t> il player di una canzone</a:t>
+            </a:r>
+          </a:p>
+        </p:txBody>
+      </p:sp>
+      <p:pic>
+        <p:nvPicPr>
+          <p:cNvPr id="7" name="Immagine 6">
+            <a:extLst>
+              <a:ext uri="{FF2B5EF4-FFF2-40B4-BE49-F238E27FC236}">
+                <a16:creationId xmlns:a16="http://schemas.microsoft.com/office/drawing/2014/main" id="{D37F5974-EE2F-4DDA-840C-79704997B82F}"/>
+              </a:ext>
+            </a:extLst>
+          </p:cNvPr>
+          <p:cNvPicPr>
+            <a:picLocks noChangeAspect="1"/>
+          </p:cNvPicPr>
+          <p:nvPr/>
+        </p:nvPicPr>
+        <p:blipFill>
+          <a:blip r:embed="rId2">
+            <a:extLst>
+              <a:ext uri="{28A0092B-C50C-407E-A947-70E740481C1C}">
+                <a14:useLocalDpi xmlns:a14="http://schemas.microsoft.com/office/drawing/2010/main" val="0"/>
+              </a:ext>
+            </a:extLst>
+          </a:blip>
+          <a:srcRect/>
+          <a:stretch/>
+        </p:blipFill>
+        <p:spPr>
+          <a:xfrm>
+            <a:off x="1350244" y="1076558"/>
+            <a:ext cx="9491511" cy="5278060"/>
+          </a:xfrm>
+          <a:prstGeom prst="rect">
+            <a:avLst/>
+          </a:prstGeom>
+        </p:spPr>
+      </p:pic>
+    </p:spTree>
+    <p:extLst>
+      <p:ext uri="{BB962C8B-B14F-4D97-AF65-F5344CB8AC3E}">
+        <p14:creationId xmlns:p14="http://schemas.microsoft.com/office/powerpoint/2010/main" val="2217864865"/>
+      </p:ext>
+    </p:extLst>
+  </p:cSld>
+  <p:clrMapOvr>
+    <a:masterClrMapping/>
+  </p:clrMapOvr>
+</p:sld>
+</file>
+
+<file path=ppt/slides/slide18.xml><?xml version="1.0" encoding="utf-8"?>
+<p:sld xmlns:a="http://schemas.openxmlformats.org/drawingml/2006/main" xmlns:r="http://schemas.openxmlformats.org/officeDocument/2006/relationships" xmlns:p="http://schemas.openxmlformats.org/presentationml/2006/main">
+  <p:cSld>
+    <p:spTree>
+      <p:nvGrpSpPr>
+        <p:cNvPr id="1" name=""/>
+        <p:cNvGrpSpPr/>
+        <p:nvPr/>
+      </p:nvGrpSpPr>
+      <p:grpSpPr>
+        <a:xfrm>
+          <a:off x="0" y="0"/>
+          <a:ext cx="0" cy="0"/>
+          <a:chOff x="0" y="0"/>
+          <a:chExt cx="0" cy="0"/>
+        </a:xfrm>
+      </p:grpSpPr>
+      <p:sp>
+        <p:nvSpPr>
+          <p:cNvPr id="4" name="Titolo 1">
+            <a:extLst>
+              <a:ext uri="{FF2B5EF4-FFF2-40B4-BE49-F238E27FC236}">
+                <a16:creationId xmlns:a16="http://schemas.microsoft.com/office/drawing/2014/main" id="{6D599DC9-3DCF-4C29-83E3-54E7214CA8BD}"/>
+              </a:ext>
+            </a:extLst>
+          </p:cNvPr>
+          <p:cNvSpPr>
+            <a:spLocks noGrp="1"/>
+          </p:cNvSpPr>
+          <p:nvPr>
+            <p:ph type="title"/>
+          </p:nvPr>
+        </p:nvSpPr>
+        <p:spPr>
+          <a:xfrm>
+            <a:off x="838200" y="256069"/>
+            <a:ext cx="10515600" cy="574442"/>
+          </a:xfrm>
+        </p:spPr>
+        <p:txBody>
+          <a:bodyPr>
+            <a:normAutofit fontScale="90000"/>
+          </a:bodyPr>
+          <a:lstStyle/>
+          <a:p>
+            <a:r>
+              <a:rPr lang="en-US" dirty="0"/>
+              <a:t>Sequence diagram: </a:t>
+            </a:r>
+            <a:r>
+              <a:rPr lang="en-US" dirty="0" err="1"/>
+              <a:t>salva</a:t>
+            </a:r>
+            <a:r>
+              <a:rPr lang="en-US" dirty="0"/>
+              <a:t> </a:t>
+            </a:r>
+            <a:r>
+              <a:rPr lang="en-US" dirty="0" err="1"/>
+              <a:t>ordinamento</a:t>
+            </a:r>
+            <a:r>
+              <a:rPr lang="en-US" dirty="0"/>
+              <a:t> playlist</a:t>
+            </a:r>
+          </a:p>
+        </p:txBody>
+      </p:sp>
+      <p:pic>
+        <p:nvPicPr>
+          <p:cNvPr id="7" name="Immagine 6">
+            <a:extLst>
+              <a:ext uri="{FF2B5EF4-FFF2-40B4-BE49-F238E27FC236}">
+                <a16:creationId xmlns:a16="http://schemas.microsoft.com/office/drawing/2014/main" id="{1A68D614-1EAB-4BBE-8819-36638C707476}"/>
+              </a:ext>
+            </a:extLst>
+          </p:cNvPr>
+          <p:cNvPicPr>
+            <a:picLocks noChangeAspect="1"/>
+          </p:cNvPicPr>
+          <p:nvPr/>
+        </p:nvPicPr>
+        <p:blipFill>
+          <a:blip r:embed="rId2">
+            <a:extLst>
+              <a:ext uri="{28A0092B-C50C-407E-A947-70E740481C1C}">
+                <a14:useLocalDpi xmlns:a14="http://schemas.microsoft.com/office/drawing/2010/main" val="0"/>
+              </a:ext>
+            </a:extLst>
+          </a:blip>
+          <a:srcRect/>
+          <a:stretch/>
+        </p:blipFill>
+        <p:spPr>
+          <a:xfrm>
+            <a:off x="1191491" y="804862"/>
+            <a:ext cx="9066934" cy="5716110"/>
+          </a:xfrm>
+          <a:prstGeom prst="rect">
+            <a:avLst/>
+          </a:prstGeom>
+        </p:spPr>
+      </p:pic>
+    </p:spTree>
+    <p:extLst>
+      <p:ext uri="{BB962C8B-B14F-4D97-AF65-F5344CB8AC3E}">
+        <p14:creationId xmlns:p14="http://schemas.microsoft.com/office/powerpoint/2010/main" val="853875926"/>
+      </p:ext>
+    </p:extLst>
+  </p:cSld>
+  <p:clrMapOvr>
+    <a:masterClrMapping/>
+  </p:clrMapOvr>
+</p:sld>
+</file>
+
 <file path=ppt/slides/slide2.xml><?xml version="1.0" encoding="utf-8"?>
 <p:sld xmlns:a="http://schemas.openxmlformats.org/drawingml/2006/main" xmlns:r="http://schemas.openxmlformats.org/officeDocument/2006/relationships" xmlns:p="http://schemas.openxmlformats.org/presentationml/2006/main">
   <p:cSld>
@@ -3892,7 +8293,19 @@
           <a:p>
             <a:r>
               <a:rPr lang="it-IT" sz="1800" dirty="0"/>
-              <a:t>L’applicazione deve consentire all’utente di riordinare le playlist con un criterio diverso da quello di default (data decrescente). Dalla HOME con un link associato a ogni playlist page si accede a una pagina RIORDINO, che mostra la lista completa dei brani della playlist e permette all’utente di trascinare il titolo di un brano nell’elenco e di collocarlo in una posizione diversa per realizzare l’ordinamento che desidera, senza invocare il server. Quando l’utente ha raggiunto l’ordinamento desiderato, usa un bottone “salva ordinamento”, per memorizzare la sequenza sul server. Ai successivi accessi, l’ordinamento personalizzato è usato al posto di quello di default.</a:t>
+              <a:t>L’applicazione deve consentire all’utente di riordinare le playlist con un criterio diverso da quello di default (data decrescente). Dalla HOME con un link associato a ogni playlist page si accede a una pagina RIORDINO, che mostra la lista completa dei brani della playlist e permette all’utente di trascinare il titolo di un brano nell’elenco e di collocarlo in una posizione diversa per realizzare l’ordinamento che desidera, senza invocare il server. Quando l’utente ha raggiunto l’ordinamento desiderato, usa un bottone “salva ordinamento”, per memorizzare la </a:t>
+            </a:r>
+            <a:r>
+              <a:rPr lang="it-IT" sz="1800" dirty="0">
+                <a:solidFill>
+                  <a:srgbClr val="00B050"/>
+                </a:solidFill>
+              </a:rPr>
+              <a:t>sequenza</a:t>
+            </a:r>
+            <a:r>
+              <a:rPr lang="it-IT" sz="1800" dirty="0"/>
+              <a:t> sul server. Ai successivi accessi, l’ordinamento personalizzato è usato al posto di quello di default.</a:t>
             </a:r>
             <a:endParaRPr lang="en-US" sz="1800" dirty="0"/>
           </a:p>
@@ -4044,14 +8457,13 @@
               </a:ext>
             </a:extLst>
           </a:blip>
-          <a:stretch>
-            <a:fillRect/>
-          </a:stretch>
+          <a:srcRect/>
+          <a:stretch/>
         </p:blipFill>
         <p:spPr>
           <a:xfrm>
-            <a:off x="1228436" y="1290637"/>
-            <a:ext cx="8753764" cy="4816716"/>
+            <a:off x="1391981" y="1290637"/>
+            <a:ext cx="8426674" cy="4816716"/>
           </a:xfrm>
           <a:prstGeom prst="rect">
             <a:avLst/>
@@ -4204,7 +8616,7 @@
         <p:spPr>
           <a:xfrm>
             <a:off x="6095999" y="1513861"/>
-            <a:ext cx="5257800" cy="3539430"/>
+            <a:ext cx="5257800" cy="2800767"/>
           </a:xfrm>
           <a:prstGeom prst="rect">
             <a:avLst/>
@@ -4249,13 +8661,13 @@
           <a:p>
             <a:r>
               <a:rPr lang="en-US" sz="1600" dirty="0"/>
-              <a:t>`genre` varchar(45) DEFAULT NULL, </a:t>
+              <a:t>`genre` varchar(45) DEFAULT NULL,  </a:t>
             </a:r>
           </a:p>
           <a:p>
             <a:r>
               <a:rPr lang="en-US" sz="1600" dirty="0"/>
-              <a:t> `year` int DEFAULT NULL,  </a:t>
+              <a:t>`year` int DEFAULT NULL,  </a:t>
             </a:r>
           </a:p>
           <a:p>
@@ -4269,13 +8681,13 @@
             </a:r>
             <a:r>
               <a:rPr lang="en-US" sz="1600" dirty="0"/>
-              <a:t>` int DEFAULT NULL, </a:t>
+              <a:t>` int DEFAULT NULL,  </a:t>
             </a:r>
           </a:p>
           <a:p>
             <a:r>
               <a:rPr lang="en-US" sz="1600" dirty="0"/>
-              <a:t> `audio` </a:t>
+              <a:t>`audio` </a:t>
             </a:r>
             <a:r>
               <a:rPr lang="en-US" sz="1600" dirty="0" err="1"/>
@@ -4303,43 +8715,7 @@
           <a:p>
             <a:r>
               <a:rPr lang="en-US" sz="1600" dirty="0"/>
-              <a:t>PRIMARY KEY (`id`),  </a:t>
-            </a:r>
-          </a:p>
-          <a:p>
-            <a:r>
-              <a:rPr lang="en-US" sz="1600" dirty="0"/>
-              <a:t>KEY `</a:t>
-            </a:r>
-            <a:r>
-              <a:rPr lang="en-US" sz="1600" dirty="0" err="1"/>
-              <a:t>user_id_idx</a:t>
-            </a:r>
-            <a:r>
-              <a:rPr lang="en-US" sz="1600" dirty="0"/>
-              <a:t>` (`</a:t>
-            </a:r>
-            <a:r>
-              <a:rPr lang="en-US" sz="1600" dirty="0" err="1"/>
-              <a:t>user_id</a:t>
-            </a:r>
-            <a:r>
-              <a:rPr lang="en-US" sz="1600" dirty="0"/>
-              <a:t>`),  </a:t>
-            </a:r>
-          </a:p>
-          <a:p>
-            <a:r>
-              <a:rPr lang="en-US" sz="1600" dirty="0"/>
-              <a:t>CONSTRAINT `owner` FOREIGN KEY (`</a:t>
-            </a:r>
-            <a:r>
-              <a:rPr lang="en-US" sz="1600" dirty="0" err="1"/>
-              <a:t>user_id</a:t>
-            </a:r>
-            <a:r>
-              <a:rPr lang="en-US" sz="1600" dirty="0"/>
-              <a:t>`) REFERENCES `user` (`id`))</a:t>
+              <a:t>PRIMARY KEY (`id`))</a:t>
             </a:r>
           </a:p>
         </p:txBody>
@@ -4394,7 +8770,7 @@
             </a:r>
             <a:r>
               <a:rPr lang="en-US" sz="1600" dirty="0"/>
-              <a:t>` int NOT NULL, </a:t>
+              <a:t>` int NOT NULL,  </a:t>
             </a:r>
           </a:p>
           <a:p>
@@ -4431,8 +8807,8 @@
         </p:nvSpPr>
         <p:spPr>
           <a:xfrm>
-            <a:off x="838200" y="5075822"/>
-            <a:ext cx="5117285" cy="1077218"/>
+            <a:off x="838200" y="5053291"/>
+            <a:ext cx="5117285" cy="1323439"/>
           </a:xfrm>
           <a:prstGeom prst="rect">
             <a:avLst/>
@@ -4483,13 +8859,19 @@
             </a:r>
             <a:r>
               <a:rPr lang="en-US" sz="1600" dirty="0"/>
-              <a:t>` int NOT NULL, </a:t>
+              <a:t>` int NOT NULL,  </a:t>
             </a:r>
           </a:p>
           <a:p>
             <a:r>
               <a:rPr lang="en-US" sz="1600" dirty="0"/>
-              <a:t> PRIMARY KEY (`song_id`,`</a:t>
+              <a:t>`sort` int NOT NULL DEFAULT '-1’,  </a:t>
+            </a:r>
+          </a:p>
+          <a:p>
+            <a:r>
+              <a:rPr lang="en-US" sz="1600" dirty="0"/>
+              <a:t>PRIMARY KEY (`song_id`,`</a:t>
             </a:r>
             <a:r>
               <a:rPr lang="en-US" sz="1600" dirty="0" err="1"/>
@@ -4497,7 +8879,7 @@
             </a:r>
             <a:r>
               <a:rPr lang="en-US" sz="1600" dirty="0"/>
-              <a:t>`))</a:t>
+              <a:t>`)) </a:t>
             </a:r>
           </a:p>
         </p:txBody>
@@ -5105,7 +9487,19 @@
           <a:p>
             <a:r>
               <a:rPr lang="it-IT" sz="1800" dirty="0"/>
-              <a:t>Dopo il login dell’utente, l’intera applicazione è realizzata con </a:t>
+              <a:t>Dopo il </a:t>
+            </a:r>
+            <a:r>
+              <a:rPr lang="it-IT" sz="1800" dirty="0">
+                <a:solidFill>
+                  <a:srgbClr val="00B050"/>
+                </a:solidFill>
+              </a:rPr>
+              <a:t>login dell’utente</a:t>
+            </a:r>
+            <a:r>
+              <a:rPr lang="it-IT" sz="1800" dirty="0"/>
+              <a:t>, l’intera applicazione è realizzata con </a:t>
             </a:r>
             <a:r>
               <a:rPr lang="it-IT" sz="1800" dirty="0">
@@ -5153,13 +9547,121 @@
           <a:p>
             <a:r>
               <a:rPr lang="it-IT" sz="1800" dirty="0"/>
-              <a:t>L’evento di visualizzazione del blocco precedente/successivo è gestito a lato client senza generare una richiesta al server. </a:t>
-            </a:r>
-          </a:p>
-          <a:p>
+              <a:t>L’evento di visualizzazione del blocco precedente/successivo è </a:t>
+            </a:r>
+            <a:r>
+              <a:rPr lang="it-IT" sz="1800" dirty="0">
+                <a:solidFill>
+                  <a:srgbClr val="7030A0"/>
+                </a:solidFill>
+              </a:rPr>
+              <a:t>gestito a lato client </a:t>
+            </a:r>
             <a:r>
               <a:rPr lang="it-IT" sz="1800" dirty="0"/>
-              <a:t>L’applicazione deve consentire all’utente di riordinare le playlist con un criterio diverso da quello di default (data decrescente). Dalla HOME con un link associato a ogni playlist page si accede a una pagina RIORDINO, che mostra la lista completa dei brani della playlist e permette all’utente di trascinare il titolo di un brano nell’elenco e di collocarlo in una posizione diversa per realizzare l’ordinamento che desidera, senza invocare il server. Quando l’utente ha raggiunto l’ordinamento desiderato, usa un bottone “salva ordinamento”, per memorizzare la sequenza sul server. Ai successivi accessi, l’ordinamento personalizzato è usato al posto di quello di default.</a:t>
+              <a:t>senza generare una richiesta al server. </a:t>
+            </a:r>
+          </a:p>
+          <a:p>
+            <a:r>
+              <a:rPr lang="it-IT" sz="1800" dirty="0"/>
+              <a:t>L’applicazione deve consentire all’utente di </a:t>
+            </a:r>
+            <a:r>
+              <a:rPr lang="it-IT" sz="1800" dirty="0">
+                <a:solidFill>
+                  <a:srgbClr val="00B050"/>
+                </a:solidFill>
+              </a:rPr>
+              <a:t>riordinare le playlist </a:t>
+            </a:r>
+            <a:r>
+              <a:rPr lang="it-IT" sz="1800" dirty="0"/>
+              <a:t>con un criterio diverso da quello di default (data decrescente). Dalla HOME con un </a:t>
+            </a:r>
+            <a:r>
+              <a:rPr lang="it-IT" sz="1800" dirty="0">
+                <a:solidFill>
+                  <a:srgbClr val="0070C0"/>
+                </a:solidFill>
+              </a:rPr>
+              <a:t>link associato a ogni playlist page</a:t>
+            </a:r>
+            <a:r>
+              <a:rPr lang="it-IT" sz="1800" dirty="0"/>
+              <a:t> si accede a una pagina </a:t>
+            </a:r>
+            <a:r>
+              <a:rPr lang="it-IT" sz="1800" dirty="0">
+                <a:solidFill>
+                  <a:srgbClr val="0070C0"/>
+                </a:solidFill>
+              </a:rPr>
+              <a:t>RIORDINO</a:t>
+            </a:r>
+            <a:r>
+              <a:rPr lang="it-IT" sz="1800" dirty="0"/>
+              <a:t>, che mostra la lista completa dei brani della playlist e permette all’utente di </a:t>
+            </a:r>
+            <a:r>
+              <a:rPr lang="it-IT" sz="1800" dirty="0">
+                <a:solidFill>
+                  <a:srgbClr val="00B050"/>
+                </a:solidFill>
+              </a:rPr>
+              <a:t>trascinare il titolo di un brano nell’elenco </a:t>
+            </a:r>
+            <a:r>
+              <a:rPr lang="it-IT" sz="1800" dirty="0"/>
+              <a:t>e di collocarlo in una posizione diversa per realizzare l’ordinamento che desidera, senza invocare il server. Quando l’utente ha raggiunto l’ordinamento desiderato, usa un bottone “</a:t>
+            </a:r>
+            <a:r>
+              <a:rPr lang="it-IT" sz="1800" dirty="0">
+                <a:solidFill>
+                  <a:srgbClr val="0070C0"/>
+                </a:solidFill>
+              </a:rPr>
+              <a:t>salva ordinamento</a:t>
+            </a:r>
+            <a:r>
+              <a:rPr lang="it-IT" sz="1800" dirty="0"/>
+              <a:t>”, per </a:t>
+            </a:r>
+            <a:r>
+              <a:rPr lang="it-IT" sz="1800" dirty="0">
+                <a:solidFill>
+                  <a:srgbClr val="7030A0"/>
+                </a:solidFill>
+              </a:rPr>
+              <a:t>memorizzare la sequenza sul server</a:t>
+            </a:r>
+            <a:r>
+              <a:rPr lang="it-IT" sz="1800" dirty="0"/>
+              <a:t>. Ai </a:t>
+            </a:r>
+            <a:r>
+              <a:rPr lang="it-IT" sz="1800" dirty="0">
+                <a:solidFill>
+                  <a:srgbClr val="00B050"/>
+                </a:solidFill>
+              </a:rPr>
+              <a:t>successivi accessi</a:t>
+            </a:r>
+            <a:r>
+              <a:rPr lang="it-IT" sz="1800" dirty="0"/>
+              <a:t>, </a:t>
+            </a:r>
+            <a:r>
+              <a:rPr lang="it-IT" sz="1800" dirty="0">
+                <a:solidFill>
+                  <a:srgbClr val="7030A0"/>
+                </a:solidFill>
+              </a:rPr>
+              <a:t>l’ordinamento personalizzato è usato al posto di quello di default</a:t>
+            </a:r>
+            <a:r>
+              <a:rPr lang="it-IT" sz="1800" dirty="0"/>
+              <a:t>.</a:t>
             </a:r>
             <a:endParaRPr lang="en-US" sz="1800" dirty="0"/>
           </a:p>
@@ -5371,6 +9873,61 @@
                   <a:srgbClr val="FF0000"/>
                 </a:solidFill>
               </a:rPr>
+              <a:t> </a:t>
+            </a:r>
+            <a:r>
+              <a:rPr lang="en-US" sz="1800" dirty="0" err="1">
+                <a:solidFill>
+                  <a:srgbClr val="FF0000"/>
+                </a:solidFill>
+              </a:rPr>
+              <a:t>iniziale</a:t>
+            </a:r>
+            <a:r>
+              <a:rPr lang="en-US" sz="1800" dirty="0"/>
+              <a:t> per far </a:t>
+            </a:r>
+            <a:r>
+              <a:rPr lang="en-US" sz="1800" dirty="0" err="1"/>
+              <a:t>partire</a:t>
+            </a:r>
+            <a:r>
+              <a:rPr lang="en-US" sz="1800" dirty="0"/>
+              <a:t> </a:t>
+            </a:r>
+            <a:r>
+              <a:rPr lang="en-US" sz="1800" dirty="0" err="1"/>
+              <a:t>l’applicazione</a:t>
+            </a:r>
+            <a:endParaRPr lang="en-US" sz="1800" dirty="0"/>
+          </a:p>
+          <a:p>
+            <a:r>
+              <a:rPr lang="en-US" sz="1800" dirty="0"/>
+              <a:t>E’ </a:t>
+            </a:r>
+            <a:r>
+              <a:rPr lang="en-US" sz="1800" dirty="0" err="1"/>
+              <a:t>presente</a:t>
+            </a:r>
+            <a:r>
+              <a:rPr lang="en-US" sz="1800" dirty="0"/>
+              <a:t> una </a:t>
+            </a:r>
+            <a:r>
+              <a:rPr lang="en-US" sz="1800" dirty="0" err="1">
+                <a:solidFill>
+                  <a:srgbClr val="FF0000"/>
+                </a:solidFill>
+              </a:rPr>
+              <a:t>pagina</a:t>
+            </a:r>
+            <a:r>
+              <a:rPr lang="en-US" sz="1800" dirty="0">
+                <a:solidFill>
+                  <a:srgbClr val="FF0000"/>
+                </a:solidFill>
+              </a:rPr>
               <a:t> di login</a:t>
             </a:r>
           </a:p>
@@ -5439,18 +9996,247 @@
           </a:p>
           <a:p>
             <a:r>
-              <a:rPr lang="it-IT" sz="1800" dirty="0"/>
-              <a:t>La pagina PLAYLIST permette anche di </a:t>
-            </a:r>
-            <a:r>
-              <a:rPr lang="it-IT" sz="1800" dirty="0">
+              <a:rPr lang="en-US" sz="1800" dirty="0" err="1"/>
+              <a:t>L’intera</a:t>
+            </a:r>
+            <a:r>
+              <a:rPr lang="en-US" sz="1800" dirty="0"/>
+              <a:t> </a:t>
+            </a:r>
+            <a:r>
+              <a:rPr lang="en-US" sz="1800" dirty="0" err="1"/>
+              <a:t>applicazione</a:t>
+            </a:r>
+            <a:r>
+              <a:rPr lang="en-US" sz="1800" dirty="0"/>
+              <a:t>, </a:t>
+            </a:r>
+            <a:r>
+              <a:rPr lang="en-US" sz="1800" dirty="0" err="1"/>
+              <a:t>compresa</a:t>
+            </a:r>
+            <a:r>
+              <a:rPr lang="en-US" sz="1800" dirty="0"/>
+              <a:t> la </a:t>
+            </a:r>
+            <a:r>
+              <a:rPr lang="en-US" sz="1800" dirty="0" err="1">
                 <a:solidFill>
                   <a:srgbClr val="0070C0"/>
                 </a:solidFill>
               </a:rPr>
-              <a:t>eliminare canzoni</a:t>
-            </a:r>
-            <a:endParaRPr lang="en-US" sz="1800" dirty="0"/>
+              <a:t>pagina</a:t>
+            </a:r>
+            <a:r>
+              <a:rPr lang="en-US" sz="1800" dirty="0">
+                <a:solidFill>
+                  <a:srgbClr val="0070C0"/>
+                </a:solidFill>
+              </a:rPr>
+              <a:t> di </a:t>
+            </a:r>
+            <a:r>
+              <a:rPr lang="en-US" sz="1800" dirty="0" err="1">
+                <a:solidFill>
+                  <a:srgbClr val="0070C0"/>
+                </a:solidFill>
+              </a:rPr>
+              <a:t>riordino</a:t>
+            </a:r>
+            <a:r>
+              <a:rPr lang="en-US" sz="1800" dirty="0">
+                <a:solidFill>
+                  <a:srgbClr val="0070C0"/>
+                </a:solidFill>
+              </a:rPr>
+              <a:t> </a:t>
+            </a:r>
+            <a:r>
+              <a:rPr lang="en-US" sz="1800" dirty="0"/>
+              <a:t>è </a:t>
+            </a:r>
+            <a:r>
+              <a:rPr lang="en-US" sz="1800" dirty="0" err="1"/>
+              <a:t>realizzata</a:t>
+            </a:r>
+            <a:r>
+              <a:rPr lang="en-US" sz="1800" dirty="0"/>
+              <a:t> </a:t>
+            </a:r>
+            <a:r>
+              <a:rPr lang="en-US" sz="1800" dirty="0" err="1"/>
+              <a:t>su</a:t>
+            </a:r>
+            <a:r>
+              <a:rPr lang="en-US" sz="1800" dirty="0"/>
+              <a:t> un unica </a:t>
+            </a:r>
+            <a:r>
+              <a:rPr lang="en-US" sz="1800" dirty="0" err="1">
+                <a:solidFill>
+                  <a:srgbClr val="FF0000"/>
+                </a:solidFill>
+              </a:rPr>
+              <a:t>pagina</a:t>
+            </a:r>
+            <a:r>
+              <a:rPr lang="en-US" sz="1800" dirty="0">
+                <a:solidFill>
+                  <a:srgbClr val="FF0000"/>
+                </a:solidFill>
+              </a:rPr>
+              <a:t> html</a:t>
+            </a:r>
+          </a:p>
+          <a:p>
+            <a:r>
+              <a:rPr lang="en-US" sz="1800" dirty="0"/>
+              <a:t>Nel form per </a:t>
+            </a:r>
+            <a:r>
+              <a:rPr lang="en-US" sz="1800" dirty="0" err="1"/>
+              <a:t>caricare</a:t>
+            </a:r>
+            <a:r>
+              <a:rPr lang="en-US" sz="1800" dirty="0"/>
+              <a:t> una canzone, il </a:t>
+            </a:r>
+            <a:r>
+              <a:rPr lang="en-US" sz="1800" dirty="0" err="1"/>
+              <a:t>titolo</a:t>
+            </a:r>
+            <a:r>
+              <a:rPr lang="en-US" sz="1800" dirty="0"/>
+              <a:t> e il file audio </a:t>
+            </a:r>
+            <a:r>
+              <a:rPr lang="en-US" sz="1800" dirty="0" err="1"/>
+              <a:t>sono</a:t>
+            </a:r>
+            <a:r>
+              <a:rPr lang="en-US" sz="1800" dirty="0"/>
+              <a:t> </a:t>
+            </a:r>
+            <a:r>
+              <a:rPr lang="en-US" sz="1800" dirty="0" err="1"/>
+              <a:t>necessari</a:t>
+            </a:r>
+            <a:r>
+              <a:rPr lang="en-US" sz="1800" dirty="0"/>
+              <a:t>, </a:t>
+            </a:r>
+            <a:r>
+              <a:rPr lang="en-US" sz="1800" dirty="0" err="1"/>
+              <a:t>gli</a:t>
+            </a:r>
+            <a:r>
+              <a:rPr lang="en-US" sz="1800" dirty="0"/>
+              <a:t> </a:t>
+            </a:r>
+            <a:r>
+              <a:rPr lang="en-US" sz="1800" dirty="0" err="1"/>
+              <a:t>altri</a:t>
+            </a:r>
+            <a:r>
+              <a:rPr lang="en-US" sz="1800" dirty="0"/>
+              <a:t> </a:t>
+            </a:r>
+            <a:r>
+              <a:rPr lang="en-US" sz="1800" dirty="0" err="1"/>
+              <a:t>attributi</a:t>
+            </a:r>
+            <a:r>
+              <a:rPr lang="en-US" sz="1800" dirty="0"/>
+              <a:t> </a:t>
+            </a:r>
+            <a:r>
+              <a:rPr lang="en-US" sz="1800" dirty="0" err="1"/>
+              <a:t>invece</a:t>
+            </a:r>
+            <a:r>
+              <a:rPr lang="en-US" sz="1800" dirty="0"/>
+              <a:t> </a:t>
+            </a:r>
+            <a:r>
+              <a:rPr lang="en-US" sz="1800" dirty="0" err="1"/>
+              <a:t>possono</a:t>
+            </a:r>
+            <a:r>
+              <a:rPr lang="en-US" sz="1800" dirty="0"/>
+              <a:t> non </a:t>
+            </a:r>
+            <a:r>
+              <a:rPr lang="en-US" sz="1800" dirty="0" err="1"/>
+              <a:t>essere</a:t>
+            </a:r>
+            <a:r>
+              <a:rPr lang="en-US" sz="1800" dirty="0"/>
+              <a:t> </a:t>
+            </a:r>
+            <a:r>
+              <a:rPr lang="en-US" sz="1800" dirty="0" err="1"/>
+              <a:t>inseriti</a:t>
+            </a:r>
+            <a:r>
+              <a:rPr lang="en-US" sz="1800" dirty="0"/>
+              <a:t> </a:t>
+            </a:r>
+            <a:r>
+              <a:rPr lang="en-US" sz="1800" dirty="0" err="1"/>
+              <a:t>dall’utente</a:t>
+            </a:r>
+            <a:r>
+              <a:rPr lang="en-US" sz="1800" dirty="0"/>
+              <a:t> e </a:t>
+            </a:r>
+            <a:r>
+              <a:rPr lang="en-US" sz="1800" dirty="0" err="1"/>
+              <a:t>vengono</a:t>
+            </a:r>
+            <a:r>
+              <a:rPr lang="en-US" sz="1800" dirty="0"/>
+              <a:t> </a:t>
+            </a:r>
+            <a:r>
+              <a:rPr lang="en-US" sz="1800" dirty="0" err="1"/>
+              <a:t>sostituiti</a:t>
+            </a:r>
+            <a:r>
+              <a:rPr lang="en-US" sz="1800" dirty="0"/>
+              <a:t> </a:t>
+            </a:r>
+            <a:r>
+              <a:rPr lang="en-US" sz="1800" dirty="0" err="1"/>
+              <a:t>lato</a:t>
+            </a:r>
+            <a:r>
+              <a:rPr lang="en-US" sz="1800" dirty="0"/>
+              <a:t> server con “</a:t>
+            </a:r>
+            <a:r>
+              <a:rPr lang="en-US" sz="1800" dirty="0" err="1"/>
+              <a:t>autore</a:t>
+            </a:r>
+            <a:r>
+              <a:rPr lang="en-US" sz="1800" dirty="0"/>
+              <a:t> </a:t>
+            </a:r>
+            <a:r>
+              <a:rPr lang="en-US" sz="1800" dirty="0" err="1"/>
+              <a:t>sconosciuto</a:t>
+            </a:r>
+            <a:r>
+              <a:rPr lang="en-US" sz="1800" dirty="0"/>
+              <a:t>”, “album </a:t>
+            </a:r>
+            <a:r>
+              <a:rPr lang="en-US" sz="1800" dirty="0" err="1"/>
+              <a:t>sconosciuto</a:t>
+            </a:r>
+            <a:r>
+              <a:rPr lang="en-US" sz="1800" dirty="0"/>
+              <a:t>”…..</a:t>
+            </a:r>
           </a:p>
         </p:txBody>
       </p:sp>
@@ -5617,7 +10403,7 @@
         </p:spPr>
         <p:txBody>
           <a:bodyPr>
-            <a:normAutofit fontScale="92500" lnSpcReduction="20000"/>
+            <a:normAutofit fontScale="85000" lnSpcReduction="20000"/>
           </a:bodyPr>
           <a:lstStyle/>
           <a:p>
@@ -5744,7 +10530,22 @@
               </a:rPr>
               <a:t>removeSongFromPlaylist</a:t>
             </a:r>
-            <a:endParaRPr lang="en-US" sz="1900" dirty="0"/>
+            <a:endParaRPr lang="en-US" sz="1900" dirty="0">
+              <a:latin typeface="Consolas" panose="020B0609020204030204" pitchFamily="49" charset="0"/>
+            </a:endParaRPr>
+          </a:p>
+          <a:p>
+            <a:pPr lvl="2">
+              <a:buFont typeface="Courier New" panose="02070309020205020404" pitchFamily="49" charset="0"/>
+              <a:buChar char="o"/>
+            </a:pPr>
+            <a:r>
+              <a:rPr lang="en-US" sz="1900" dirty="0" err="1">
+                <a:latin typeface="Consolas" panose="020B0609020204030204" pitchFamily="49" charset="0"/>
+              </a:rPr>
+              <a:t>sortSong</a:t>
+            </a:r>
+            <a:endParaRPr lang="en-US" sz="1900" b="1" dirty="0"/>
           </a:p>
           <a:p>
             <a:pPr lvl="1">
@@ -5845,7 +10646,7 @@
         </p:nvSpPr>
         <p:spPr>
           <a:xfrm>
-            <a:off x="6096000" y="375470"/>
+            <a:off x="6096000" y="1308920"/>
             <a:ext cx="5257800" cy="6117405"/>
           </a:xfrm>
           <a:prstGeom prst="rect">
@@ -6054,7 +10855,31 @@
             <a:pPr lvl="1"/>
             <a:r>
               <a:rPr lang="en-US" sz="1600" dirty="0" err="1"/>
-              <a:t>HomePage</a:t>
+              <a:t>GetPlaylistData</a:t>
+            </a:r>
+            <a:endParaRPr lang="en-US" sz="1600" dirty="0"/>
+          </a:p>
+          <a:p>
+            <a:pPr lvl="1"/>
+            <a:r>
+              <a:rPr lang="en-US" sz="1600" dirty="0" err="1"/>
+              <a:t>GetPlaylists</a:t>
+            </a:r>
+            <a:endParaRPr lang="en-US" sz="1600" dirty="0"/>
+          </a:p>
+          <a:p>
+            <a:pPr lvl="1"/>
+            <a:r>
+              <a:rPr lang="en-US" sz="1600" dirty="0" err="1"/>
+              <a:t>GetSongData</a:t>
+            </a:r>
+            <a:endParaRPr lang="en-US" sz="1600" dirty="0"/>
+          </a:p>
+          <a:p>
+            <a:pPr lvl="1"/>
+            <a:r>
+              <a:rPr lang="en-US" sz="1600" dirty="0" err="1"/>
+              <a:t>GetSongs</a:t>
             </a:r>
             <a:endParaRPr lang="en-US" sz="1600" dirty="0"/>
           </a:p>
@@ -6076,15 +10901,7 @@
             <a:pPr lvl="1"/>
             <a:r>
               <a:rPr lang="en-US" sz="1600" dirty="0" err="1"/>
-              <a:t>PlaylistPage</a:t>
-            </a:r>
-            <a:endParaRPr lang="en-US" sz="1600" dirty="0"/>
-          </a:p>
-          <a:p>
-            <a:pPr lvl="1"/>
-            <a:r>
-              <a:rPr lang="en-US" sz="1600" dirty="0" err="1"/>
-              <a:t>SongPage</a:t>
+              <a:t>SetSongSort</a:t>
             </a:r>
             <a:endParaRPr lang="en-US" sz="1600" dirty="0"/>
           </a:p>
@@ -6113,63 +10930,15 @@
             <a:pPr lvl="1"/>
             <a:r>
               <a:rPr lang="en-US" sz="1600" dirty="0"/>
-              <a:t>login_failed.html</a:t>
+              <a:t>login.html</a:t>
             </a:r>
           </a:p>
           <a:p>
             <a:pPr lvl="1"/>
             <a:r>
               <a:rPr lang="en-US" sz="1600" dirty="0"/>
-              <a:t>login.html</a:t>
-            </a:r>
-          </a:p>
-          <a:p>
-            <a:pPr lvl="1"/>
-            <a:r>
-              <a:rPr lang="en-US" sz="1600" dirty="0" err="1"/>
-              <a:t>song_info.jsp</a:t>
-            </a:r>
-            <a:endParaRPr lang="en-US" sz="1600" dirty="0"/>
-          </a:p>
-          <a:p>
-            <a:pPr lvl="1"/>
-            <a:r>
-              <a:rPr lang="en-US" sz="1600" dirty="0" err="1"/>
-              <a:t>song.jsp</a:t>
-            </a:r>
-            <a:endParaRPr lang="en-US" sz="1600" dirty="0"/>
-          </a:p>
-          <a:p>
-            <a:pPr lvl="1"/>
-            <a:r>
-              <a:rPr lang="en-US" sz="1600" dirty="0" err="1"/>
-              <a:t>upload_fail.jps</a:t>
-            </a:r>
-            <a:endParaRPr lang="en-US" sz="1600" dirty="0"/>
-          </a:p>
-          <a:p>
-            <a:pPr lvl="1"/>
-            <a:r>
-              <a:rPr lang="en-US" sz="1600" dirty="0" err="1"/>
-              <a:t>upload_success.jsp</a:t>
-            </a:r>
-            <a:endParaRPr lang="en-US" sz="1600" dirty="0"/>
-          </a:p>
-          <a:p>
-            <a:pPr lvl="1"/>
-            <a:r>
-              <a:rPr lang="en-US" sz="1600" dirty="0" err="1"/>
-              <a:t>home.jsp</a:t>
-            </a:r>
-            <a:endParaRPr lang="en-US" sz="1600" dirty="0"/>
-          </a:p>
-          <a:p>
-            <a:pPr lvl="1"/>
-            <a:r>
-              <a:rPr lang="en-US" sz="1600" dirty="0" err="1"/>
-              <a:t>playlist.jsp</a:t>
-            </a:r>
-            <a:endParaRPr lang="en-US" sz="1600" dirty="0"/>
+              <a:t>home.html</a:t>
+            </a:r>
           </a:p>
           <a:p>
             <a:pPr lvl="1">
